--- a/HAN_AdvancedJava_Ch01-LambdaExpressions.pptx
+++ b/HAN_AdvancedJava_Ch01-LambdaExpressions.pptx
@@ -289,7 +289,7 @@
   </p:defaultTextStyle>
   <p:extLst>
     <p:ext uri="{EFAFB233-063F-42B5-8137-9DF3F51BA10A}">
-      <p15:sldGuideLst xmlns:p15="http://schemas.microsoft.com/office/powerpoint/2012/main" xmlns="">
+      <p15:sldGuideLst xmlns:p15="http://schemas.microsoft.com/office/powerpoint/2012/main">
         <p15:guide id="1" orient="horz" pos="2160">
           <p15:clr>
             <a:srgbClr val="A4A3A4"/>
@@ -313,10 +313,10 @@
       </p15:sldGuideLst>
     </p:ext>
     <p:ext uri="{2D200454-40CA-4A62-9FC3-DE9A4176ACB9}">
-      <p15:notesGuideLst xmlns:p15="http://schemas.microsoft.com/office/powerpoint/2012/main" xmlns=""/>
+      <p15:notesGuideLst xmlns:p15="http://schemas.microsoft.com/office/powerpoint/2012/main"/>
     </p:ext>
     <p:ext uri="http://customooxmlschemas.google.com/">
-      <go:slidesCustomData xmlns:go="http://customooxmlschemas.google.com/" xmlns:p15="http://schemas.microsoft.com/office/powerpoint/2012/main" xmlns:p14="http://schemas.microsoft.com/office/powerpoint/2010/main" xmlns:com="http://schemas.openxmlformats.org/drawingml/2006/compatibility" xmlns:pvml="urn:schemas-microsoft-com:office:powerpoint" xmlns:v="urn:schemas-microsoft-com:vml" xmlns:o="urn:schemas-microsoft-com:office:office" xmlns:dgm="http://schemas.openxmlformats.org/drawingml/2006/diagram" xmlns:c="http://schemas.openxmlformats.org/drawingml/2006/chart" xmlns:mv="urn:schemas-microsoft-com:mac:vml" xmlns:mc="http://schemas.openxmlformats.org/markup-compatibility/2006" xmlns="" r:id="rId50" roundtripDataSignature="AMtx7mh+9/dCSlYobEHwms6iFvXqxM7Fgg=="/>
+      <go:slidesCustomData xmlns="" xmlns:mc="http://schemas.openxmlformats.org/markup-compatibility/2006" xmlns:mv="urn:schemas-microsoft-com:mac:vml" xmlns:c="http://schemas.openxmlformats.org/drawingml/2006/chart" xmlns:dgm="http://schemas.openxmlformats.org/drawingml/2006/diagram" xmlns:o="urn:schemas-microsoft-com:office:office" xmlns:v="urn:schemas-microsoft-com:vml" xmlns:pvml="urn:schemas-microsoft-com:office:powerpoint" xmlns:com="http://schemas.openxmlformats.org/drawingml/2006/compatibility" xmlns:p14="http://schemas.microsoft.com/office/powerpoint/2010/main" xmlns:p15="http://schemas.microsoft.com/office/powerpoint/2012/main" xmlns:go="http://customooxmlschemas.google.com/" r:id="rId50" roundtripDataSignature="AMtx7mh+9/dCSlYobEHwms6iFvXqxM7Fgg=="/>
     </p:ext>
   </p:extLst>
 </p:presentation>
@@ -1623,7 +1623,7 @@
     </p:spTree>
     <p:extLst>
       <p:ext uri="{BB962C8B-B14F-4D97-AF65-F5344CB8AC3E}">
-        <p14:creationId xmlns:p14="http://schemas.microsoft.com/office/powerpoint/2010/main" xmlns="" val="3984651239"/>
+        <p14:creationId xmlns:p14="http://schemas.microsoft.com/office/powerpoint/2010/main" val="3984651239"/>
       </p:ext>
     </p:extLst>
   </p:cSld>
@@ -1684,7 +1684,7 @@
     </p:spTree>
     <p:extLst>
       <p:ext uri="{BB962C8B-B14F-4D97-AF65-F5344CB8AC3E}">
-        <p14:creationId xmlns:p14="http://schemas.microsoft.com/office/powerpoint/2010/main" xmlns="" val="2699333100"/>
+        <p14:creationId xmlns:p14="http://schemas.microsoft.com/office/powerpoint/2010/main" val="2699333100"/>
       </p:ext>
     </p:extLst>
   </p:cSld>
@@ -1745,7 +1745,7 @@
     </p:spTree>
     <p:extLst>
       <p:ext uri="{BB962C8B-B14F-4D97-AF65-F5344CB8AC3E}">
-        <p14:creationId xmlns:p14="http://schemas.microsoft.com/office/powerpoint/2010/main" xmlns="" val="1099138299"/>
+        <p14:creationId xmlns:p14="http://schemas.microsoft.com/office/powerpoint/2010/main" val="1099138299"/>
       </p:ext>
     </p:extLst>
   </p:cSld>
@@ -1806,7 +1806,7 @@
     </p:spTree>
     <p:extLst>
       <p:ext uri="{BB962C8B-B14F-4D97-AF65-F5344CB8AC3E}">
-        <p14:creationId xmlns:p14="http://schemas.microsoft.com/office/powerpoint/2010/main" xmlns="" val="994089299"/>
+        <p14:creationId xmlns:p14="http://schemas.microsoft.com/office/powerpoint/2010/main" val="994089299"/>
       </p:ext>
     </p:extLst>
   </p:cSld>
@@ -1867,7 +1867,7 @@
     </p:spTree>
     <p:extLst>
       <p:ext uri="{BB962C8B-B14F-4D97-AF65-F5344CB8AC3E}">
-        <p14:creationId xmlns:p14="http://schemas.microsoft.com/office/powerpoint/2010/main" xmlns="" val="2117030106"/>
+        <p14:creationId xmlns:p14="http://schemas.microsoft.com/office/powerpoint/2010/main" val="2117030106"/>
       </p:ext>
     </p:extLst>
   </p:cSld>
@@ -1928,7 +1928,7 @@
     </p:spTree>
     <p:extLst>
       <p:ext uri="{BB962C8B-B14F-4D97-AF65-F5344CB8AC3E}">
-        <p14:creationId xmlns:p14="http://schemas.microsoft.com/office/powerpoint/2010/main" xmlns="" val="1097727322"/>
+        <p14:creationId xmlns:p14="http://schemas.microsoft.com/office/powerpoint/2010/main" val="1097727322"/>
       </p:ext>
     </p:extLst>
   </p:cSld>
@@ -1989,7 +1989,7 @@
     </p:spTree>
     <p:extLst>
       <p:ext uri="{BB962C8B-B14F-4D97-AF65-F5344CB8AC3E}">
-        <p14:creationId xmlns:p14="http://schemas.microsoft.com/office/powerpoint/2010/main" xmlns="" val="393550013"/>
+        <p14:creationId xmlns:p14="http://schemas.microsoft.com/office/powerpoint/2010/main" val="393550013"/>
       </p:ext>
     </p:extLst>
   </p:cSld>
@@ -2050,7 +2050,7 @@
     </p:spTree>
     <p:extLst>
       <p:ext uri="{BB962C8B-B14F-4D97-AF65-F5344CB8AC3E}">
-        <p14:creationId xmlns:p14="http://schemas.microsoft.com/office/powerpoint/2010/main" xmlns="" val="224001154"/>
+        <p14:creationId xmlns:p14="http://schemas.microsoft.com/office/powerpoint/2010/main" val="224001154"/>
       </p:ext>
     </p:extLst>
   </p:cSld>
@@ -2111,7 +2111,7 @@
     </p:spTree>
     <p:extLst>
       <p:ext uri="{BB962C8B-B14F-4D97-AF65-F5344CB8AC3E}">
-        <p14:creationId xmlns:p14="http://schemas.microsoft.com/office/powerpoint/2010/main" xmlns="" val="1210374229"/>
+        <p14:creationId xmlns:p14="http://schemas.microsoft.com/office/powerpoint/2010/main" val="1210374229"/>
       </p:ext>
     </p:extLst>
   </p:cSld>
@@ -2172,7 +2172,7 @@
     </p:spTree>
     <p:extLst>
       <p:ext uri="{BB962C8B-B14F-4D97-AF65-F5344CB8AC3E}">
-        <p14:creationId xmlns:p14="http://schemas.microsoft.com/office/powerpoint/2010/main" xmlns="" val="3628045743"/>
+        <p14:creationId xmlns:p14="http://schemas.microsoft.com/office/powerpoint/2010/main" val="3628045743"/>
       </p:ext>
     </p:extLst>
   </p:cSld>
@@ -2233,7 +2233,7 @@
     </p:spTree>
     <p:extLst>
       <p:ext uri="{BB962C8B-B14F-4D97-AF65-F5344CB8AC3E}">
-        <p14:creationId xmlns:p14="http://schemas.microsoft.com/office/powerpoint/2010/main" xmlns="" val="1634902686"/>
+        <p14:creationId xmlns:p14="http://schemas.microsoft.com/office/powerpoint/2010/main" val="1634902686"/>
       </p:ext>
     </p:extLst>
   </p:cSld>
@@ -2297,7 +2297,7 @@
     </p:spTree>
     <p:extLst>
       <p:ext uri="{BB962C8B-B14F-4D97-AF65-F5344CB8AC3E}">
-        <p14:creationId xmlns:p14="http://schemas.microsoft.com/office/powerpoint/2010/main" xmlns="" val="766601081"/>
+        <p14:creationId xmlns:p14="http://schemas.microsoft.com/office/powerpoint/2010/main" val="766601081"/>
       </p:ext>
     </p:extLst>
   </p:cSld>
@@ -2371,7 +2371,7 @@
               <a:defRPr/>
             </a:pPr>
             <a:r>
-              <a:rPr lang="en-US" sz="1200" b="0" i="0" u="none" strike="noStrike" cap="none" dirty="0" smtClean="0">
+              <a:rPr lang="en-US" sz="1200" b="0" i="0" u="none" strike="noStrike" cap="none" dirty="0">
                 <a:solidFill>
                   <a:schemeClr val="dk1"/>
                 </a:solidFill>
@@ -2383,7 +2383,7 @@
               <a:t>Mutation State is where the state or structure is keep on changing the state does not remain the same. Example: the evaluation may be between integers, between integer and other data type, between arithmetic and scientific operation or any other operation. Example "10 + </a:t>
             </a:r>
             <a:r>
-              <a:rPr lang="en-US" sz="1200" b="0" i="0" u="none" strike="noStrike" cap="none" dirty="0" err="1" smtClean="0">
+              <a:rPr lang="en-US" sz="1200" b="0" i="0" u="none" strike="noStrike" cap="none" dirty="0" err="1">
                 <a:solidFill>
                   <a:schemeClr val="dk1"/>
                 </a:solidFill>
@@ -2395,7 +2395,7 @@
               <a:t>sqrt</a:t>
             </a:r>
             <a:r>
-              <a:rPr lang="en-US" sz="1200" b="0" i="0" u="none" strike="noStrike" cap="none" dirty="0" smtClean="0">
+              <a:rPr lang="en-US" sz="1200" b="0" i="0" u="none" strike="noStrike" cap="none" dirty="0">
                 <a:solidFill>
                   <a:schemeClr val="dk1"/>
                 </a:solidFill>
@@ -2415,7 +2415,7 @@
     </p:spTree>
     <p:extLst>
       <p:ext uri="{BB962C8B-B14F-4D97-AF65-F5344CB8AC3E}">
-        <p14:creationId xmlns:p14="http://schemas.microsoft.com/office/powerpoint/2010/main" xmlns="" val="2464218071"/>
+        <p14:creationId xmlns:p14="http://schemas.microsoft.com/office/powerpoint/2010/main" val="2464218071"/>
       </p:ext>
     </p:extLst>
   </p:cSld>
@@ -2476,7 +2476,7 @@
     </p:spTree>
     <p:extLst>
       <p:ext uri="{BB962C8B-B14F-4D97-AF65-F5344CB8AC3E}">
-        <p14:creationId xmlns:p14="http://schemas.microsoft.com/office/powerpoint/2010/main" xmlns="" val="1197315485"/>
+        <p14:creationId xmlns:p14="http://schemas.microsoft.com/office/powerpoint/2010/main" val="1197315485"/>
       </p:ext>
     </p:extLst>
   </p:cSld>
@@ -2537,7 +2537,7 @@
     </p:spTree>
     <p:extLst>
       <p:ext uri="{BB962C8B-B14F-4D97-AF65-F5344CB8AC3E}">
-        <p14:creationId xmlns:p14="http://schemas.microsoft.com/office/powerpoint/2010/main" xmlns="" val="1376475242"/>
+        <p14:creationId xmlns:p14="http://schemas.microsoft.com/office/powerpoint/2010/main" val="1376475242"/>
       </p:ext>
     </p:extLst>
   </p:cSld>
@@ -2598,7 +2598,7 @@
     </p:spTree>
     <p:extLst>
       <p:ext uri="{BB962C8B-B14F-4D97-AF65-F5344CB8AC3E}">
-        <p14:creationId xmlns:p14="http://schemas.microsoft.com/office/powerpoint/2010/main" xmlns="" val="2154775301"/>
+        <p14:creationId xmlns:p14="http://schemas.microsoft.com/office/powerpoint/2010/main" val="2154775301"/>
       </p:ext>
     </p:extLst>
   </p:cSld>
@@ -2659,7 +2659,7 @@
     </p:spTree>
     <p:extLst>
       <p:ext uri="{BB962C8B-B14F-4D97-AF65-F5344CB8AC3E}">
-        <p14:creationId xmlns:p14="http://schemas.microsoft.com/office/powerpoint/2010/main" xmlns="" val="804528512"/>
+        <p14:creationId xmlns:p14="http://schemas.microsoft.com/office/powerpoint/2010/main" val="804528512"/>
       </p:ext>
     </p:extLst>
   </p:cSld>
@@ -2720,7 +2720,7 @@
     </p:spTree>
     <p:extLst>
       <p:ext uri="{BB962C8B-B14F-4D97-AF65-F5344CB8AC3E}">
-        <p14:creationId xmlns:p14="http://schemas.microsoft.com/office/powerpoint/2010/main" xmlns="" val="1315444181"/>
+        <p14:creationId xmlns:p14="http://schemas.microsoft.com/office/powerpoint/2010/main" val="1315444181"/>
       </p:ext>
     </p:extLst>
   </p:cSld>
@@ -2781,7 +2781,7 @@
     </p:spTree>
     <p:extLst>
       <p:ext uri="{BB962C8B-B14F-4D97-AF65-F5344CB8AC3E}">
-        <p14:creationId xmlns:p14="http://schemas.microsoft.com/office/powerpoint/2010/main" xmlns="" val="4055624170"/>
+        <p14:creationId xmlns:p14="http://schemas.microsoft.com/office/powerpoint/2010/main" val="4055624170"/>
       </p:ext>
     </p:extLst>
   </p:cSld>
@@ -2842,7 +2842,7 @@
     </p:spTree>
     <p:extLst>
       <p:ext uri="{BB962C8B-B14F-4D97-AF65-F5344CB8AC3E}">
-        <p14:creationId xmlns:p14="http://schemas.microsoft.com/office/powerpoint/2010/main" xmlns="" val="1103970192"/>
+        <p14:creationId xmlns:p14="http://schemas.microsoft.com/office/powerpoint/2010/main" val="1103970192"/>
       </p:ext>
     </p:extLst>
   </p:cSld>
@@ -2903,7 +2903,7 @@
     </p:spTree>
     <p:extLst>
       <p:ext uri="{BB962C8B-B14F-4D97-AF65-F5344CB8AC3E}">
-        <p14:creationId xmlns:p14="http://schemas.microsoft.com/office/powerpoint/2010/main" xmlns="" val="96108900"/>
+        <p14:creationId xmlns:p14="http://schemas.microsoft.com/office/powerpoint/2010/main" val="96108900"/>
       </p:ext>
     </p:extLst>
   </p:cSld>
@@ -2964,7 +2964,7 @@
     </p:spTree>
     <p:extLst>
       <p:ext uri="{BB962C8B-B14F-4D97-AF65-F5344CB8AC3E}">
-        <p14:creationId xmlns:p14="http://schemas.microsoft.com/office/powerpoint/2010/main" xmlns="" val="284563170"/>
+        <p14:creationId xmlns:p14="http://schemas.microsoft.com/office/powerpoint/2010/main" val="284563170"/>
       </p:ext>
     </p:extLst>
   </p:cSld>
@@ -3025,7 +3025,7 @@
     </p:spTree>
     <p:extLst>
       <p:ext uri="{BB962C8B-B14F-4D97-AF65-F5344CB8AC3E}">
-        <p14:creationId xmlns:p14="http://schemas.microsoft.com/office/powerpoint/2010/main" xmlns="" val="2971908231"/>
+        <p14:creationId xmlns:p14="http://schemas.microsoft.com/office/powerpoint/2010/main" val="2971908231"/>
       </p:ext>
     </p:extLst>
   </p:cSld>
@@ -3086,7 +3086,7 @@
     </p:spTree>
     <p:extLst>
       <p:ext uri="{BB962C8B-B14F-4D97-AF65-F5344CB8AC3E}">
-        <p14:creationId xmlns:p14="http://schemas.microsoft.com/office/powerpoint/2010/main" xmlns="" val="3330934324"/>
+        <p14:creationId xmlns:p14="http://schemas.microsoft.com/office/powerpoint/2010/main" val="3330934324"/>
       </p:ext>
     </p:extLst>
   </p:cSld>
@@ -3147,7 +3147,7 @@
     </p:spTree>
     <p:extLst>
       <p:ext uri="{BB962C8B-B14F-4D97-AF65-F5344CB8AC3E}">
-        <p14:creationId xmlns:p14="http://schemas.microsoft.com/office/powerpoint/2010/main" xmlns="" val="485789882"/>
+        <p14:creationId xmlns:p14="http://schemas.microsoft.com/office/powerpoint/2010/main" val="485789882"/>
       </p:ext>
     </p:extLst>
   </p:cSld>
@@ -3208,7 +3208,7 @@
     </p:spTree>
     <p:extLst>
       <p:ext uri="{BB962C8B-B14F-4D97-AF65-F5344CB8AC3E}">
-        <p14:creationId xmlns:p14="http://schemas.microsoft.com/office/powerpoint/2010/main" xmlns="" val="648125027"/>
+        <p14:creationId xmlns:p14="http://schemas.microsoft.com/office/powerpoint/2010/main" val="648125027"/>
       </p:ext>
     </p:extLst>
   </p:cSld>
@@ -3269,7 +3269,7 @@
     </p:spTree>
     <p:extLst>
       <p:ext uri="{BB962C8B-B14F-4D97-AF65-F5344CB8AC3E}">
-        <p14:creationId xmlns:p14="http://schemas.microsoft.com/office/powerpoint/2010/main" xmlns="" val="1285529920"/>
+        <p14:creationId xmlns:p14="http://schemas.microsoft.com/office/powerpoint/2010/main" val="1285529920"/>
       </p:ext>
     </p:extLst>
   </p:cSld>
@@ -3330,7 +3330,7 @@
     </p:spTree>
     <p:extLst>
       <p:ext uri="{BB962C8B-B14F-4D97-AF65-F5344CB8AC3E}">
-        <p14:creationId xmlns:p14="http://schemas.microsoft.com/office/powerpoint/2010/main" xmlns="" val="1353983940"/>
+        <p14:creationId xmlns:p14="http://schemas.microsoft.com/office/powerpoint/2010/main" val="1353983940"/>
       </p:ext>
     </p:extLst>
   </p:cSld>
@@ -3391,7 +3391,7 @@
     </p:spTree>
     <p:extLst>
       <p:ext uri="{BB962C8B-B14F-4D97-AF65-F5344CB8AC3E}">
-        <p14:creationId xmlns:p14="http://schemas.microsoft.com/office/powerpoint/2010/main" xmlns="" val="35946131"/>
+        <p14:creationId xmlns:p14="http://schemas.microsoft.com/office/powerpoint/2010/main" val="35946131"/>
       </p:ext>
     </p:extLst>
   </p:cSld>
@@ -3452,7 +3452,7 @@
     </p:spTree>
     <p:extLst>
       <p:ext uri="{BB962C8B-B14F-4D97-AF65-F5344CB8AC3E}">
-        <p14:creationId xmlns:p14="http://schemas.microsoft.com/office/powerpoint/2010/main" xmlns="" val="533054303"/>
+        <p14:creationId xmlns:p14="http://schemas.microsoft.com/office/powerpoint/2010/main" val="533054303"/>
       </p:ext>
     </p:extLst>
   </p:cSld>
@@ -3513,7 +3513,7 @@
     </p:spTree>
     <p:extLst>
       <p:ext uri="{BB962C8B-B14F-4D97-AF65-F5344CB8AC3E}">
-        <p14:creationId xmlns:p14="http://schemas.microsoft.com/office/powerpoint/2010/main" xmlns="" val="744418561"/>
+        <p14:creationId xmlns:p14="http://schemas.microsoft.com/office/powerpoint/2010/main" val="744418561"/>
       </p:ext>
     </p:extLst>
   </p:cSld>
@@ -3574,7 +3574,7 @@
     </p:spTree>
     <p:extLst>
       <p:ext uri="{BB962C8B-B14F-4D97-AF65-F5344CB8AC3E}">
-        <p14:creationId xmlns:p14="http://schemas.microsoft.com/office/powerpoint/2010/main" xmlns="" val="304226860"/>
+        <p14:creationId xmlns:p14="http://schemas.microsoft.com/office/powerpoint/2010/main" val="304226860"/>
       </p:ext>
     </p:extLst>
   </p:cSld>
@@ -3635,7 +3635,7 @@
     </p:spTree>
     <p:extLst>
       <p:ext uri="{BB962C8B-B14F-4D97-AF65-F5344CB8AC3E}">
-        <p14:creationId xmlns:p14="http://schemas.microsoft.com/office/powerpoint/2010/main" xmlns="" val="3129565033"/>
+        <p14:creationId xmlns:p14="http://schemas.microsoft.com/office/powerpoint/2010/main" val="3129565033"/>
       </p:ext>
     </p:extLst>
   </p:cSld>
@@ -3696,7 +3696,7 @@
     </p:spTree>
     <p:extLst>
       <p:ext uri="{BB962C8B-B14F-4D97-AF65-F5344CB8AC3E}">
-        <p14:creationId xmlns:p14="http://schemas.microsoft.com/office/powerpoint/2010/main" xmlns="" val="3967214755"/>
+        <p14:creationId xmlns:p14="http://schemas.microsoft.com/office/powerpoint/2010/main" val="3967214755"/>
       </p:ext>
     </p:extLst>
   </p:cSld>
@@ -3757,7 +3757,7 @@
     </p:spTree>
     <p:extLst>
       <p:ext uri="{BB962C8B-B14F-4D97-AF65-F5344CB8AC3E}">
-        <p14:creationId xmlns:p14="http://schemas.microsoft.com/office/powerpoint/2010/main" xmlns="" val="924458738"/>
+        <p14:creationId xmlns:p14="http://schemas.microsoft.com/office/powerpoint/2010/main" val="924458738"/>
       </p:ext>
     </p:extLst>
   </p:cSld>
@@ -3818,7 +3818,7 @@
     </p:spTree>
     <p:extLst>
       <p:ext uri="{BB962C8B-B14F-4D97-AF65-F5344CB8AC3E}">
-        <p14:creationId xmlns:p14="http://schemas.microsoft.com/office/powerpoint/2010/main" xmlns="" val="2609444990"/>
+        <p14:creationId xmlns:p14="http://schemas.microsoft.com/office/powerpoint/2010/main" val="2609444990"/>
       </p:ext>
     </p:extLst>
   </p:cSld>
@@ -3879,7 +3879,7 @@
     </p:spTree>
     <p:extLst>
       <p:ext uri="{BB962C8B-B14F-4D97-AF65-F5344CB8AC3E}">
-        <p14:creationId xmlns:p14="http://schemas.microsoft.com/office/powerpoint/2010/main" xmlns="" val="2288484833"/>
+        <p14:creationId xmlns:p14="http://schemas.microsoft.com/office/powerpoint/2010/main" val="2288484833"/>
       </p:ext>
     </p:extLst>
   </p:cSld>
@@ -3940,7 +3940,7 @@
     </p:spTree>
     <p:extLst>
       <p:ext uri="{BB962C8B-B14F-4D97-AF65-F5344CB8AC3E}">
-        <p14:creationId xmlns:p14="http://schemas.microsoft.com/office/powerpoint/2010/main" xmlns="" val="611228273"/>
+        <p14:creationId xmlns:p14="http://schemas.microsoft.com/office/powerpoint/2010/main" val="611228273"/>
       </p:ext>
     </p:extLst>
   </p:cSld>
@@ -4001,7 +4001,7 @@
     </p:spTree>
     <p:extLst>
       <p:ext uri="{BB962C8B-B14F-4D97-AF65-F5344CB8AC3E}">
-        <p14:creationId xmlns:p14="http://schemas.microsoft.com/office/powerpoint/2010/main" xmlns="" val="1219803068"/>
+        <p14:creationId xmlns:p14="http://schemas.microsoft.com/office/powerpoint/2010/main" val="1219803068"/>
       </p:ext>
     </p:extLst>
   </p:cSld>
@@ -4062,7 +4062,7 @@
     </p:spTree>
     <p:extLst>
       <p:ext uri="{BB962C8B-B14F-4D97-AF65-F5344CB8AC3E}">
-        <p14:creationId xmlns:p14="http://schemas.microsoft.com/office/powerpoint/2010/main" xmlns="" val="2235758961"/>
+        <p14:creationId xmlns:p14="http://schemas.microsoft.com/office/powerpoint/2010/main" val="2235758961"/>
       </p:ext>
     </p:extLst>
   </p:cSld>
@@ -4123,7 +4123,7 @@
     </p:spTree>
     <p:extLst>
       <p:ext uri="{BB962C8B-B14F-4D97-AF65-F5344CB8AC3E}">
-        <p14:creationId xmlns:p14="http://schemas.microsoft.com/office/powerpoint/2010/main" xmlns="" val="1092362355"/>
+        <p14:creationId xmlns:p14="http://schemas.microsoft.com/office/powerpoint/2010/main" val="1092362355"/>
       </p:ext>
     </p:extLst>
   </p:cSld>
@@ -4184,7 +4184,7 @@
     </p:spTree>
     <p:extLst>
       <p:ext uri="{BB962C8B-B14F-4D97-AF65-F5344CB8AC3E}">
-        <p14:creationId xmlns:p14="http://schemas.microsoft.com/office/powerpoint/2010/main" xmlns="" val="4127427656"/>
+        <p14:creationId xmlns:p14="http://schemas.microsoft.com/office/powerpoint/2010/main" val="4127427656"/>
       </p:ext>
     </p:extLst>
   </p:cSld>
@@ -4245,7 +4245,7 @@
     </p:spTree>
     <p:extLst>
       <p:ext uri="{BB962C8B-B14F-4D97-AF65-F5344CB8AC3E}">
-        <p14:creationId xmlns:p14="http://schemas.microsoft.com/office/powerpoint/2010/main" xmlns="" val="847951317"/>
+        <p14:creationId xmlns:p14="http://schemas.microsoft.com/office/powerpoint/2010/main" val="847951317"/>
       </p:ext>
     </p:extLst>
   </p:cSld>
@@ -4306,7 +4306,7 @@
     </p:spTree>
     <p:extLst>
       <p:ext uri="{BB962C8B-B14F-4D97-AF65-F5344CB8AC3E}">
-        <p14:creationId xmlns:p14="http://schemas.microsoft.com/office/powerpoint/2010/main" xmlns="" val="1763089005"/>
+        <p14:creationId xmlns:p14="http://schemas.microsoft.com/office/powerpoint/2010/main" val="1763089005"/>
       </p:ext>
     </p:extLst>
   </p:cSld>
@@ -4367,7 +4367,7 @@
     </p:spTree>
     <p:extLst>
       <p:ext uri="{BB962C8B-B14F-4D97-AF65-F5344CB8AC3E}">
-        <p14:creationId xmlns:p14="http://schemas.microsoft.com/office/powerpoint/2010/main" xmlns="" val="1367841397"/>
+        <p14:creationId xmlns:p14="http://schemas.microsoft.com/office/powerpoint/2010/main" val="1367841397"/>
       </p:ext>
     </p:extLst>
   </p:cSld>
@@ -4428,7 +4428,7 @@
     </p:spTree>
     <p:extLst>
       <p:ext uri="{BB962C8B-B14F-4D97-AF65-F5344CB8AC3E}">
-        <p14:creationId xmlns:p14="http://schemas.microsoft.com/office/powerpoint/2010/main" xmlns="" val="319463525"/>
+        <p14:creationId xmlns:p14="http://schemas.microsoft.com/office/powerpoint/2010/main" val="319463525"/>
       </p:ext>
     </p:extLst>
   </p:cSld>
@@ -4970,7 +4970,7 @@
           <p:cNvPr id="3" name="Text Placeholder 2">
             <a:extLst>
               <a:ext uri="{FF2B5EF4-FFF2-40B4-BE49-F238E27FC236}">
-                <a16:creationId xmlns:a16="http://schemas.microsoft.com/office/drawing/2014/main" xmlns="" id="{3CE14703-5E2C-6749-85A1-D5F61312DAD8}"/>
+                <a16:creationId xmlns:a16="http://schemas.microsoft.com/office/drawing/2014/main" id="{3CE14703-5E2C-6749-85A1-D5F61312DAD8}"/>
               </a:ext>
             </a:extLst>
           </p:cNvPr>
@@ -5083,7 +5083,7 @@
           <p:cNvPr id="25" name="Google Shape;53;p14">
             <a:extLst>
               <a:ext uri="{FF2B5EF4-FFF2-40B4-BE49-F238E27FC236}">
-                <a16:creationId xmlns:a16="http://schemas.microsoft.com/office/drawing/2014/main" xmlns="" id="{8A0DFBE8-3C69-254F-9B57-2A299ECDBECD}"/>
+                <a16:creationId xmlns:a16="http://schemas.microsoft.com/office/drawing/2014/main" id="{8A0DFBE8-3C69-254F-9B57-2A299ECDBECD}"/>
               </a:ext>
             </a:extLst>
           </p:cNvPr>
@@ -5229,7 +5229,7 @@
           <p:cNvPr id="26" name="Google Shape;57;p14">
             <a:extLst>
               <a:ext uri="{FF2B5EF4-FFF2-40B4-BE49-F238E27FC236}">
-                <a16:creationId xmlns:a16="http://schemas.microsoft.com/office/drawing/2014/main" xmlns="" id="{EEDE0DC0-8392-1646-BF60-F02D45F7AD5E}"/>
+                <a16:creationId xmlns:a16="http://schemas.microsoft.com/office/drawing/2014/main" id="{EEDE0DC0-8392-1646-BF60-F02D45F7AD5E}"/>
               </a:ext>
             </a:extLst>
           </p:cNvPr>
@@ -5426,7 +5426,7 @@
           <p:cNvPr id="2" name="Slide Number Placeholder 1">
             <a:extLst>
               <a:ext uri="{FF2B5EF4-FFF2-40B4-BE49-F238E27FC236}">
-                <a16:creationId xmlns:a16="http://schemas.microsoft.com/office/drawing/2014/main" xmlns="" id="{B72110B5-5AD1-2548-A009-B85F7C199D43}"/>
+                <a16:creationId xmlns:a16="http://schemas.microsoft.com/office/drawing/2014/main" id="{B72110B5-5AD1-2548-A009-B85F7C199D43}"/>
               </a:ext>
             </a:extLst>
           </p:cNvPr>
@@ -5471,7 +5471,7 @@
     </p:spTree>
     <p:extLst>
       <p:ext uri="{BB962C8B-B14F-4D97-AF65-F5344CB8AC3E}">
-        <p14:creationId xmlns:p14="http://schemas.microsoft.com/office/powerpoint/2010/main" xmlns="" val="545829278"/>
+        <p14:creationId xmlns:p14="http://schemas.microsoft.com/office/powerpoint/2010/main" val="545829278"/>
       </p:ext>
     </p:extLst>
   </p:cSld>
@@ -7225,7 +7225,7 @@
           <p:cNvPr id="20" name="Google Shape;14;p11">
             <a:extLst>
               <a:ext uri="{FF2B5EF4-FFF2-40B4-BE49-F238E27FC236}">
-                <a16:creationId xmlns:a16="http://schemas.microsoft.com/office/drawing/2014/main" xmlns="" id="{91444A35-E228-DC49-A05C-0ED031C7E9E5}"/>
+                <a16:creationId xmlns:a16="http://schemas.microsoft.com/office/drawing/2014/main" id="{91444A35-E228-DC49-A05C-0ED031C7E9E5}"/>
               </a:ext>
             </a:extLst>
           </p:cNvPr>
@@ -9510,7 +9510,7 @@
           <p:cNvPr id="19" name="Google Shape;14;p11">
             <a:extLst>
               <a:ext uri="{FF2B5EF4-FFF2-40B4-BE49-F238E27FC236}">
-                <a16:creationId xmlns:a16="http://schemas.microsoft.com/office/drawing/2014/main" xmlns="" id="{3508BE93-AF5D-6548-900B-100D7472A054}"/>
+                <a16:creationId xmlns:a16="http://schemas.microsoft.com/office/drawing/2014/main" id="{3508BE93-AF5D-6548-900B-100D7472A054}"/>
               </a:ext>
             </a:extLst>
           </p:cNvPr>
@@ -11249,7 +11249,7 @@
           <p:cNvPr id="31" name="Slide Number Placeholder 1">
             <a:extLst>
               <a:ext uri="{FF2B5EF4-FFF2-40B4-BE49-F238E27FC236}">
-                <a16:creationId xmlns:a16="http://schemas.microsoft.com/office/drawing/2014/main" xmlns="" id="{612FEF24-C4E0-41AD-81CE-2C7ABB145B65}"/>
+                <a16:creationId xmlns:a16="http://schemas.microsoft.com/office/drawing/2014/main" id="{612FEF24-C4E0-41AD-81CE-2C7ABB145B65}"/>
               </a:ext>
             </a:extLst>
           </p:cNvPr>
@@ -11526,7 +11526,7 @@
     </p:spTree>
     <p:extLst>
       <p:ext uri="{BB962C8B-B14F-4D97-AF65-F5344CB8AC3E}">
-        <p14:creationId xmlns:p14="http://schemas.microsoft.com/office/powerpoint/2010/main" xmlns="" val="714848901"/>
+        <p14:creationId xmlns:p14="http://schemas.microsoft.com/office/powerpoint/2010/main" val="714848901"/>
       </p:ext>
     </p:extLst>
   </p:cSld>
@@ -11679,7 +11679,7 @@
           <a:blip r:embed="rId2" cstate="print">
             <a:extLst>
               <a:ext uri="{28A0092B-C50C-407E-A947-70E740481C1C}">
-                <a14:useLocalDpi xmlns:a14="http://schemas.microsoft.com/office/drawing/2010/main" xmlns="" val="0"/>
+                <a14:useLocalDpi xmlns:a14="http://schemas.microsoft.com/office/drawing/2010/main" val="0"/>
               </a:ext>
             </a:extLst>
           </a:blip>
@@ -11900,7 +11900,7 @@
     </p:spTree>
     <p:extLst>
       <p:ext uri="{BB962C8B-B14F-4D97-AF65-F5344CB8AC3E}">
-        <p14:creationId xmlns:p14="http://schemas.microsoft.com/office/powerpoint/2010/main" xmlns="" val="1266961245"/>
+        <p14:creationId xmlns:p14="http://schemas.microsoft.com/office/powerpoint/2010/main" val="1266961245"/>
       </p:ext>
     </p:extLst>
   </p:cSld>
@@ -12039,7 +12039,7 @@
     </p:spTree>
     <p:extLst>
       <p:ext uri="{BB962C8B-B14F-4D97-AF65-F5344CB8AC3E}">
-        <p14:creationId xmlns:p14="http://schemas.microsoft.com/office/powerpoint/2010/main" xmlns="" val="2743941206"/>
+        <p14:creationId xmlns:p14="http://schemas.microsoft.com/office/powerpoint/2010/main" val="2743941206"/>
       </p:ext>
     </p:extLst>
   </p:cSld>
@@ -12162,7 +12162,7 @@
     </p:spTree>
     <p:extLst>
       <p:ext uri="{BB962C8B-B14F-4D97-AF65-F5344CB8AC3E}">
-        <p14:creationId xmlns:p14="http://schemas.microsoft.com/office/powerpoint/2010/main" xmlns="" val="217150831"/>
+        <p14:creationId xmlns:p14="http://schemas.microsoft.com/office/powerpoint/2010/main" val="217150831"/>
       </p:ext>
     </p:extLst>
   </p:cSld>
@@ -12325,7 +12325,7 @@
     </p:spTree>
     <p:extLst>
       <p:ext uri="{BB962C8B-B14F-4D97-AF65-F5344CB8AC3E}">
-        <p14:creationId xmlns:p14="http://schemas.microsoft.com/office/powerpoint/2010/main" xmlns="" val="4091601809"/>
+        <p14:creationId xmlns:p14="http://schemas.microsoft.com/office/powerpoint/2010/main" val="4091601809"/>
       </p:ext>
     </p:extLst>
   </p:cSld>
@@ -12993,7 +12993,7 @@
           <p:cNvPr id="7" name="Google Shape;13;p11">
             <a:extLst>
               <a:ext uri="{FF2B5EF4-FFF2-40B4-BE49-F238E27FC236}">
-                <a16:creationId xmlns:a16="http://schemas.microsoft.com/office/drawing/2014/main" xmlns="" id="{BF7FD7A2-F760-4C42-9531-985614A37EAB}"/>
+                <a16:creationId xmlns:a16="http://schemas.microsoft.com/office/drawing/2014/main" id="{BF7FD7A2-F760-4C42-9531-985614A37EAB}"/>
               </a:ext>
             </a:extLst>
           </p:cNvPr>
@@ -13320,7 +13320,7 @@
           <p:cNvPr id="3" name="Straight Connector 2">
             <a:extLst>
               <a:ext uri="{FF2B5EF4-FFF2-40B4-BE49-F238E27FC236}">
-                <a16:creationId xmlns:a16="http://schemas.microsoft.com/office/drawing/2014/main" xmlns="" id="{D0874163-10F7-994B-A490-037E5D797684}"/>
+                <a16:creationId xmlns:a16="http://schemas.microsoft.com/office/drawing/2014/main" id="{D0874163-10F7-994B-A490-037E5D797684}"/>
               </a:ext>
             </a:extLst>
           </p:cNvPr>
@@ -13366,7 +13366,7 @@
           <p:cNvPr id="6" name="Rectangle 2">
             <a:extLst>
               <a:ext uri="{FF2B5EF4-FFF2-40B4-BE49-F238E27FC236}">
-                <a16:creationId xmlns:a16="http://schemas.microsoft.com/office/drawing/2014/main" xmlns="" id="{014920EA-7186-7143-834A-55A5B3C24514}"/>
+                <a16:creationId xmlns:a16="http://schemas.microsoft.com/office/drawing/2014/main" id="{014920EA-7186-7143-834A-55A5B3C24514}"/>
               </a:ext>
             </a:extLst>
           </p:cNvPr>
@@ -13390,14 +13390,14 @@
           <a:effectLst/>
           <a:extLst>
             <a:ext uri="{909E8E84-426E-40DD-AFC4-6F175D3DCCD1}">
-              <a14:hiddenFill xmlns:a14="http://schemas.microsoft.com/office/drawing/2010/main" xmlns="">
+              <a14:hiddenFill xmlns:a14="http://schemas.microsoft.com/office/drawing/2010/main">
                 <a:solidFill>
                   <a:schemeClr val="accent1"/>
                 </a:solidFill>
               </a14:hiddenFill>
             </a:ext>
             <a:ext uri="{91240B29-F687-4F45-9708-019B960494DF}">
-              <a14:hiddenLine xmlns:a14="http://schemas.microsoft.com/office/drawing/2010/main" xmlns="" w="9525">
+              <a14:hiddenLine xmlns:a14="http://schemas.microsoft.com/office/drawing/2010/main" w="9525">
                 <a:solidFill>
                   <a:schemeClr val="tx1"/>
                 </a:solidFill>
@@ -13407,7 +13407,7 @@
               </a14:hiddenLine>
             </a:ext>
             <a:ext uri="{AF507438-7753-43E0-B8FC-AC1667EBCBE1}">
-              <a14:hiddenEffects xmlns:a14="http://schemas.microsoft.com/office/drawing/2010/main" xmlns="">
+              <a14:hiddenEffects xmlns:a14="http://schemas.microsoft.com/office/drawing/2010/main">
                 <a:effectLst>
                   <a:outerShdw dist="35921" dir="2700000" algn="ctr" rotWithShape="0">
                     <a:schemeClr val="bg2"/>
@@ -13435,7 +13435,7 @@
           <p:cNvPr id="1025" name="Picture 1" descr="signature_1874630819">
             <a:extLst>
               <a:ext uri="{FF2B5EF4-FFF2-40B4-BE49-F238E27FC236}">
-                <a16:creationId xmlns:a16="http://schemas.microsoft.com/office/drawing/2014/main" xmlns="" id="{020C3021-7DF7-F241-B9D3-8F94D638D928}"/>
+                <a16:creationId xmlns:a16="http://schemas.microsoft.com/office/drawing/2014/main" id="{020C3021-7DF7-F241-B9D3-8F94D638D928}"/>
               </a:ext>
             </a:extLst>
           </p:cNvPr>
@@ -13448,7 +13448,7 @@
           <a:blip r:embed="rId10" r:link="rId11">
             <a:extLst>
               <a:ext uri="{28A0092B-C50C-407E-A947-70E740481C1C}">
-                <a14:useLocalDpi xmlns:a14="http://schemas.microsoft.com/office/drawing/2010/main" xmlns="" val="0"/>
+                <a14:useLocalDpi xmlns:a14="http://schemas.microsoft.com/office/drawing/2010/main" val="0"/>
               </a:ext>
             </a:extLst>
           </a:blip>
@@ -13468,7 +13468,7 @@
           <a:noFill/>
           <a:extLst>
             <a:ext uri="{909E8E84-426E-40DD-AFC4-6F175D3DCCD1}">
-              <a14:hiddenFill xmlns:a14="http://schemas.microsoft.com/office/drawing/2010/main" xmlns="">
+              <a14:hiddenFill xmlns:a14="http://schemas.microsoft.com/office/drawing/2010/main">
                 <a:solidFill>
                   <a:srgbClr val="FFFFFF"/>
                 </a:solidFill>
@@ -13482,7 +13482,7 @@
           <p:cNvPr id="1028" name="Picture 4" descr="Maveric Systems - Temenos">
             <a:extLst>
               <a:ext uri="{FF2B5EF4-FFF2-40B4-BE49-F238E27FC236}">
-                <a16:creationId xmlns:a16="http://schemas.microsoft.com/office/drawing/2014/main" xmlns="" id="{CA0C6FCA-5900-1141-A10C-2F57D13F7DCB}"/>
+                <a16:creationId xmlns:a16="http://schemas.microsoft.com/office/drawing/2014/main" id="{CA0C6FCA-5900-1141-A10C-2F57D13F7DCB}"/>
               </a:ext>
             </a:extLst>
           </p:cNvPr>
@@ -13495,7 +13495,7 @@
           <a:blip r:embed="rId12">
             <a:extLst>
               <a:ext uri="{28A0092B-C50C-407E-A947-70E740481C1C}">
-                <a14:useLocalDpi xmlns:a14="http://schemas.microsoft.com/office/drawing/2010/main" xmlns="" val="0"/>
+                <a14:useLocalDpi xmlns:a14="http://schemas.microsoft.com/office/drawing/2010/main" val="0"/>
               </a:ext>
             </a:extLst>
           </a:blip>
@@ -13515,7 +13515,7 @@
           <a:noFill/>
           <a:extLst>
             <a:ext uri="{909E8E84-426E-40DD-AFC4-6F175D3DCCD1}">
-              <a14:hiddenFill xmlns:a14="http://schemas.microsoft.com/office/drawing/2010/main" xmlns="">
+              <a14:hiddenFill xmlns:a14="http://schemas.microsoft.com/office/drawing/2010/main">
                 <a:solidFill>
                   <a:srgbClr val="FFFFFF"/>
                 </a:solidFill>
@@ -13529,7 +13529,7 @@
           <p:cNvPr id="17" name="Straight Connector 16">
             <a:extLst>
               <a:ext uri="{FF2B5EF4-FFF2-40B4-BE49-F238E27FC236}">
-                <a16:creationId xmlns:a16="http://schemas.microsoft.com/office/drawing/2014/main" xmlns="" id="{56091392-2275-D74B-8BC3-F61C150C63BB}"/>
+                <a16:creationId xmlns:a16="http://schemas.microsoft.com/office/drawing/2014/main" id="{56091392-2275-D74B-8BC3-F61C150C63BB}"/>
               </a:ext>
             </a:extLst>
           </p:cNvPr>
@@ -13575,7 +13575,7 @@
           <p:cNvPr id="21" name="Straight Connector 20">
             <a:extLst>
               <a:ext uri="{FF2B5EF4-FFF2-40B4-BE49-F238E27FC236}">
-                <a16:creationId xmlns:a16="http://schemas.microsoft.com/office/drawing/2014/main" xmlns="" id="{4983C55A-3F26-B54F-8444-A8074C7CC90A}"/>
+                <a16:creationId xmlns:a16="http://schemas.microsoft.com/office/drawing/2014/main" id="{4983C55A-3F26-B54F-8444-A8074C7CC90A}"/>
               </a:ext>
             </a:extLst>
           </p:cNvPr>
@@ -13621,7 +13621,7 @@
           <p:cNvPr id="22" name="Straight Connector 21">
             <a:extLst>
               <a:ext uri="{FF2B5EF4-FFF2-40B4-BE49-F238E27FC236}">
-                <a16:creationId xmlns:a16="http://schemas.microsoft.com/office/drawing/2014/main" xmlns="" id="{A4D0B00E-5A92-7645-B4B3-7ED6A55FFD92}"/>
+                <a16:creationId xmlns:a16="http://schemas.microsoft.com/office/drawing/2014/main" id="{A4D0B00E-5A92-7645-B4B3-7ED6A55FFD92}"/>
               </a:ext>
             </a:extLst>
           </p:cNvPr>
@@ -13667,7 +13667,7 @@
           <p:cNvPr id="2" name="TextBox 1">
             <a:extLst>
               <a:ext uri="{FF2B5EF4-FFF2-40B4-BE49-F238E27FC236}">
-                <a16:creationId xmlns:a16="http://schemas.microsoft.com/office/drawing/2014/main" xmlns="" id="{751E1F8E-739A-E443-85DB-7358461EDD02}"/>
+                <a16:creationId xmlns:a16="http://schemas.microsoft.com/office/drawing/2014/main" id="{751E1F8E-739A-E443-85DB-7358461EDD02}"/>
               </a:ext>
             </a:extLst>
           </p:cNvPr>
@@ -14488,14 +14488,6 @@
               </a:rPr>
               <a:t>Welcome! </a:t>
             </a:r>
-            <a:r>
-              <a:rPr lang="en" sz="4400" b="1" dirty="0">
-                <a:solidFill>
-                  <a:srgbClr val="4285F4"/>
-                </a:solidFill>
-              </a:rPr>
-              <a:t/>
-            </a:r>
             <a:br>
               <a:rPr lang="en" sz="4400" b="1" dirty="0">
                 <a:solidFill>
@@ -14756,7 +14748,7 @@
           <p:cNvPr id="10" name="Google Shape;1544;p1">
             <a:extLst>
               <a:ext uri="{FF2B5EF4-FFF2-40B4-BE49-F238E27FC236}">
-                <a16:creationId xmlns:a16="http://schemas.microsoft.com/office/drawing/2014/main" xmlns="" id="{B3D5E130-A856-B64E-A6F1-D378B77AC7A3}"/>
+                <a16:creationId xmlns:a16="http://schemas.microsoft.com/office/drawing/2014/main" id="{B3D5E130-A856-B64E-A6F1-D378B77AC7A3}"/>
               </a:ext>
             </a:extLst>
           </p:cNvPr>
@@ -14819,7 +14811,7 @@
           <p:cNvPr id="2" name="Rectangle 2">
             <a:extLst>
               <a:ext uri="{FF2B5EF4-FFF2-40B4-BE49-F238E27FC236}">
-                <a16:creationId xmlns:a16="http://schemas.microsoft.com/office/drawing/2014/main" xmlns="" id="{FA2CE5A8-2BD9-6C4C-874D-B40158A66204}"/>
+                <a16:creationId xmlns:a16="http://schemas.microsoft.com/office/drawing/2014/main" id="{FA2CE5A8-2BD9-6C4C-874D-B40158A66204}"/>
               </a:ext>
             </a:extLst>
           </p:cNvPr>
@@ -14843,14 +14835,14 @@
           <a:effectLst/>
           <a:extLst>
             <a:ext uri="{909E8E84-426E-40DD-AFC4-6F175D3DCCD1}">
-              <a14:hiddenFill xmlns:a14="http://schemas.microsoft.com/office/drawing/2010/main" xmlns="">
+              <a14:hiddenFill xmlns:a14="http://schemas.microsoft.com/office/drawing/2010/main">
                 <a:solidFill>
                   <a:schemeClr val="accent1"/>
                 </a:solidFill>
               </a14:hiddenFill>
             </a:ext>
             <a:ext uri="{91240B29-F687-4F45-9708-019B960494DF}">
-              <a14:hiddenLine xmlns:a14="http://schemas.microsoft.com/office/drawing/2010/main" xmlns="" w="9525">
+              <a14:hiddenLine xmlns:a14="http://schemas.microsoft.com/office/drawing/2010/main" w="9525">
                 <a:solidFill>
                   <a:schemeClr val="tx1"/>
                 </a:solidFill>
@@ -14860,7 +14852,7 @@
               </a14:hiddenLine>
             </a:ext>
             <a:ext uri="{AF507438-7753-43E0-B8FC-AC1667EBCBE1}">
-              <a14:hiddenEffects xmlns:a14="http://schemas.microsoft.com/office/drawing/2010/main" xmlns="">
+              <a14:hiddenEffects xmlns:a14="http://schemas.microsoft.com/office/drawing/2010/main">
                 <a:effectLst>
                   <a:outerShdw dist="35921" dir="2700000" algn="ctr" rotWithShape="0">
                     <a:schemeClr val="bg2"/>
@@ -14886,7 +14878,7 @@
     </p:spTree>
     <p:extLst>
       <p:ext uri="{BB962C8B-B14F-4D97-AF65-F5344CB8AC3E}">
-        <p14:creationId xmlns:p14="http://schemas.microsoft.com/office/powerpoint/2010/main" xmlns="" val="4202576349"/>
+        <p14:creationId xmlns:p14="http://schemas.microsoft.com/office/powerpoint/2010/main" val="4202576349"/>
       </p:ext>
     </p:extLst>
   </p:cSld>
@@ -15338,7 +15330,7 @@
           <p:cNvPr id="9" name="Table 8">
             <a:extLst>
               <a:ext uri="{FF2B5EF4-FFF2-40B4-BE49-F238E27FC236}">
-                <a16:creationId xmlns:a16="http://schemas.microsoft.com/office/drawing/2014/main" xmlns="" id="{78BEE4ED-4E63-4FB4-829F-E60F587C5EC5}"/>
+                <a16:creationId xmlns:a16="http://schemas.microsoft.com/office/drawing/2014/main" id="{78BEE4ED-4E63-4FB4-829F-E60F587C5EC5}"/>
               </a:ext>
             </a:extLst>
           </p:cNvPr>
@@ -15361,7 +15353,7 @@
                 <a:gridCol w="4506867">
                   <a:extLst>
                     <a:ext uri="{9D8B030D-6E8A-4147-A177-3AD203B41FA5}">
-                      <a16:colId xmlns:a16="http://schemas.microsoft.com/office/drawing/2014/main" xmlns="" val="1695728431"/>
+                      <a16:colId xmlns:a16="http://schemas.microsoft.com/office/drawing/2014/main" val="1695728431"/>
                     </a:ext>
                   </a:extLst>
                 </a:gridCol>
@@ -15412,7 +15404,7 @@
                 </a:tc>
                 <a:extLst>
                   <a:ext uri="{0D108BD9-81ED-4DB2-BD59-A6C34878D82A}">
-                    <a16:rowId xmlns:a16="http://schemas.microsoft.com/office/drawing/2014/main" xmlns="" val="2307098774"/>
+                    <a16:rowId xmlns:a16="http://schemas.microsoft.com/office/drawing/2014/main" val="2307098774"/>
                   </a:ext>
                 </a:extLst>
               </a:tr>
@@ -15468,7 +15460,7 @@
                 </a:tc>
                 <a:extLst>
                   <a:ext uri="{0D108BD9-81ED-4DB2-BD59-A6C34878D82A}">
-                    <a16:rowId xmlns:a16="http://schemas.microsoft.com/office/drawing/2014/main" xmlns="" val="1466711860"/>
+                    <a16:rowId xmlns:a16="http://schemas.microsoft.com/office/drawing/2014/main" val="1466711860"/>
                   </a:ext>
                 </a:extLst>
               </a:tr>
@@ -15526,7 +15518,7 @@
                 </a:tc>
                 <a:extLst>
                   <a:ext uri="{0D108BD9-81ED-4DB2-BD59-A6C34878D82A}">
-                    <a16:rowId xmlns:a16="http://schemas.microsoft.com/office/drawing/2014/main" xmlns="" val="1924402624"/>
+                    <a16:rowId xmlns:a16="http://schemas.microsoft.com/office/drawing/2014/main" val="1924402624"/>
                   </a:ext>
                 </a:extLst>
               </a:tr>
@@ -15584,7 +15576,7 @@
                 </a:tc>
                 <a:extLst>
                   <a:ext uri="{0D108BD9-81ED-4DB2-BD59-A6C34878D82A}">
-                    <a16:rowId xmlns:a16="http://schemas.microsoft.com/office/drawing/2014/main" xmlns="" val="2634114360"/>
+                    <a16:rowId xmlns:a16="http://schemas.microsoft.com/office/drawing/2014/main" val="2634114360"/>
                   </a:ext>
                 </a:extLst>
               </a:tr>
@@ -15642,7 +15634,7 @@
                 </a:tc>
                 <a:extLst>
                   <a:ext uri="{0D108BD9-81ED-4DB2-BD59-A6C34878D82A}">
-                    <a16:rowId xmlns:a16="http://schemas.microsoft.com/office/drawing/2014/main" xmlns="" val="376303497"/>
+                    <a16:rowId xmlns:a16="http://schemas.microsoft.com/office/drawing/2014/main" val="376303497"/>
                   </a:ext>
                 </a:extLst>
               </a:tr>
@@ -15653,20 +15645,13 @@
     </p:spTree>
     <p:extLst>
       <p:ext uri="{BB962C8B-B14F-4D97-AF65-F5344CB8AC3E}">
-        <p14:creationId xmlns:p14="http://schemas.microsoft.com/office/powerpoint/2010/main" xmlns="" val="3937639955"/>
+        <p14:creationId xmlns:p14="http://schemas.microsoft.com/office/powerpoint/2010/main" val="3937639955"/>
       </p:ext>
     </p:extLst>
   </p:cSld>
   <p:clrMapOvr>
     <a:masterClrMapping/>
   </p:clrMapOvr>
-  <p:timing>
-    <p:tnLst>
-      <p:par>
-        <p:cTn id="1" dur="indefinite" restart="never" nodeType="tmRoot"/>
-      </p:par>
-    </p:tnLst>
-  </p:timing>
 </p:sld>
 </file>
 
@@ -16450,20 +16435,13 @@
     </p:spTree>
     <p:extLst>
       <p:ext uri="{BB962C8B-B14F-4D97-AF65-F5344CB8AC3E}">
-        <p14:creationId xmlns:p14="http://schemas.microsoft.com/office/powerpoint/2010/main" xmlns="" val="517713347"/>
+        <p14:creationId xmlns:p14="http://schemas.microsoft.com/office/powerpoint/2010/main" val="517713347"/>
       </p:ext>
     </p:extLst>
   </p:cSld>
   <p:clrMapOvr>
     <a:masterClrMapping/>
   </p:clrMapOvr>
-  <p:timing>
-    <p:tnLst>
-      <p:par>
-        <p:cTn id="1" dur="indefinite" restart="never" nodeType="tmRoot"/>
-      </p:par>
-    </p:tnLst>
-  </p:timing>
 </p:sld>
 </file>
 
@@ -16748,20 +16726,13 @@
     </p:spTree>
     <p:extLst>
       <p:ext uri="{BB962C8B-B14F-4D97-AF65-F5344CB8AC3E}">
-        <p14:creationId xmlns:p14="http://schemas.microsoft.com/office/powerpoint/2010/main" xmlns="" val="2581464424"/>
+        <p14:creationId xmlns:p14="http://schemas.microsoft.com/office/powerpoint/2010/main" val="2581464424"/>
       </p:ext>
     </p:extLst>
   </p:cSld>
   <p:clrMapOvr>
     <a:masterClrMapping/>
   </p:clrMapOvr>
-  <p:timing>
-    <p:tnLst>
-      <p:par>
-        <p:cTn id="1" dur="indefinite" restart="never" nodeType="tmRoot"/>
-      </p:par>
-    </p:tnLst>
-  </p:timing>
 </p:sld>
 </file>
 
@@ -17265,20 +17236,13 @@
     </p:spTree>
     <p:extLst>
       <p:ext uri="{BB962C8B-B14F-4D97-AF65-F5344CB8AC3E}">
-        <p14:creationId xmlns:p14="http://schemas.microsoft.com/office/powerpoint/2010/main" xmlns="" val="3893747936"/>
+        <p14:creationId xmlns:p14="http://schemas.microsoft.com/office/powerpoint/2010/main" val="3893747936"/>
       </p:ext>
     </p:extLst>
   </p:cSld>
   <p:clrMapOvr>
     <a:masterClrMapping/>
   </p:clrMapOvr>
-  <p:timing>
-    <p:tnLst>
-      <p:par>
-        <p:cTn id="1" dur="indefinite" restart="never" nodeType="tmRoot"/>
-      </p:par>
-    </p:tnLst>
-  </p:timing>
 </p:sld>
 </file>
 
@@ -17429,20 +17393,13 @@
     </p:spTree>
     <p:extLst>
       <p:ext uri="{BB962C8B-B14F-4D97-AF65-F5344CB8AC3E}">
-        <p14:creationId xmlns:p14="http://schemas.microsoft.com/office/powerpoint/2010/main" xmlns="" val="4243426076"/>
+        <p14:creationId xmlns:p14="http://schemas.microsoft.com/office/powerpoint/2010/main" val="4243426076"/>
       </p:ext>
     </p:extLst>
   </p:cSld>
   <p:clrMapOvr>
     <a:masterClrMapping/>
   </p:clrMapOvr>
-  <p:timing>
-    <p:tnLst>
-      <p:par>
-        <p:cTn id="1" dur="indefinite" restart="never" nodeType="tmRoot"/>
-      </p:par>
-    </p:tnLst>
-  </p:timing>
 </p:sld>
 </file>
 
@@ -18720,20 +18677,13 @@
     </p:spTree>
     <p:extLst>
       <p:ext uri="{BB962C8B-B14F-4D97-AF65-F5344CB8AC3E}">
-        <p14:creationId xmlns:p14="http://schemas.microsoft.com/office/powerpoint/2010/main" xmlns="" val="2441890370"/>
+        <p14:creationId xmlns:p14="http://schemas.microsoft.com/office/powerpoint/2010/main" val="2441890370"/>
       </p:ext>
     </p:extLst>
   </p:cSld>
   <p:clrMapOvr>
     <a:masterClrMapping/>
   </p:clrMapOvr>
-  <p:timing>
-    <p:tnLst>
-      <p:par>
-        <p:cTn id="1" dur="indefinite" restart="never" nodeType="tmRoot"/>
-      </p:par>
-    </p:tnLst>
-  </p:timing>
 </p:sld>
 </file>
 
@@ -19309,20 +19259,13 @@
     </p:spTree>
     <p:extLst>
       <p:ext uri="{BB962C8B-B14F-4D97-AF65-F5344CB8AC3E}">
-        <p14:creationId xmlns:p14="http://schemas.microsoft.com/office/powerpoint/2010/main" xmlns="" val="3045867071"/>
+        <p14:creationId xmlns:p14="http://schemas.microsoft.com/office/powerpoint/2010/main" val="3045867071"/>
       </p:ext>
     </p:extLst>
   </p:cSld>
   <p:clrMapOvr>
     <a:masterClrMapping/>
   </p:clrMapOvr>
-  <p:timing>
-    <p:tnLst>
-      <p:par>
-        <p:cTn id="1" dur="indefinite" restart="never" nodeType="tmRoot"/>
-      </p:par>
-    </p:tnLst>
-  </p:timing>
 </p:sld>
 </file>
 
@@ -19655,20 +19598,13 @@
     </p:spTree>
     <p:extLst>
       <p:ext uri="{BB962C8B-B14F-4D97-AF65-F5344CB8AC3E}">
-        <p14:creationId xmlns:p14="http://schemas.microsoft.com/office/powerpoint/2010/main" xmlns="" val="935935586"/>
+        <p14:creationId xmlns:p14="http://schemas.microsoft.com/office/powerpoint/2010/main" val="935935586"/>
       </p:ext>
     </p:extLst>
   </p:cSld>
   <p:clrMapOvr>
     <a:masterClrMapping/>
   </p:clrMapOvr>
-  <p:timing>
-    <p:tnLst>
-      <p:par>
-        <p:cTn id="1" dur="indefinite" restart="never" nodeType="tmRoot"/>
-      </p:par>
-    </p:tnLst>
-  </p:timing>
 </p:sld>
 </file>
 
@@ -19875,20 +19811,13 @@
     </p:spTree>
     <p:extLst>
       <p:ext uri="{BB962C8B-B14F-4D97-AF65-F5344CB8AC3E}">
-        <p14:creationId xmlns:p14="http://schemas.microsoft.com/office/powerpoint/2010/main" xmlns="" val="3086810571"/>
+        <p14:creationId xmlns:p14="http://schemas.microsoft.com/office/powerpoint/2010/main" val="3086810571"/>
       </p:ext>
     </p:extLst>
   </p:cSld>
   <p:clrMapOvr>
     <a:masterClrMapping/>
   </p:clrMapOvr>
-  <p:timing>
-    <p:tnLst>
-      <p:par>
-        <p:cTn id="1" dur="indefinite" restart="never" nodeType="tmRoot"/>
-      </p:par>
-    </p:tnLst>
-  </p:timing>
 </p:sld>
 </file>
 
@@ -20161,20 +20090,13 @@
     </p:spTree>
     <p:extLst>
       <p:ext uri="{BB962C8B-B14F-4D97-AF65-F5344CB8AC3E}">
-        <p14:creationId xmlns:p14="http://schemas.microsoft.com/office/powerpoint/2010/main" xmlns="" val="443331361"/>
+        <p14:creationId xmlns:p14="http://schemas.microsoft.com/office/powerpoint/2010/main" val="443331361"/>
       </p:ext>
     </p:extLst>
   </p:cSld>
   <p:clrMapOvr>
     <a:masterClrMapping/>
   </p:clrMapOvr>
-  <p:timing>
-    <p:tnLst>
-      <p:par>
-        <p:cTn id="1" dur="indefinite" restart="never" nodeType="tmRoot"/>
-      </p:par>
-    </p:tnLst>
-  </p:timing>
 </p:sld>
 </file>
 
@@ -20200,7 +20122,7 @@
           <p:cNvPr id="2" name="Text Placeholder 1">
             <a:extLst>
               <a:ext uri="{FF2B5EF4-FFF2-40B4-BE49-F238E27FC236}">
-                <a16:creationId xmlns:a16="http://schemas.microsoft.com/office/drawing/2014/main" xmlns="" id="{CEF43E03-FB80-624C-92C6-46AD8E85A92D}"/>
+                <a16:creationId xmlns:a16="http://schemas.microsoft.com/office/drawing/2014/main" id="{CEF43E03-FB80-624C-92C6-46AD8E85A92D}"/>
               </a:ext>
             </a:extLst>
           </p:cNvPr>
@@ -20275,7 +20197,7 @@
           <p:cNvPr id="3" name="Title 2">
             <a:extLst>
               <a:ext uri="{FF2B5EF4-FFF2-40B4-BE49-F238E27FC236}">
-                <a16:creationId xmlns:a16="http://schemas.microsoft.com/office/drawing/2014/main" xmlns="" id="{16C7C91C-82DD-F543-B3AB-8B280D85D08C}"/>
+                <a16:creationId xmlns:a16="http://schemas.microsoft.com/office/drawing/2014/main" id="{16C7C91C-82DD-F543-B3AB-8B280D85D08C}"/>
               </a:ext>
             </a:extLst>
           </p:cNvPr>
@@ -20303,7 +20225,7 @@
           <p:cNvPr id="5" name="Slide Number Placeholder 4">
             <a:extLst>
               <a:ext uri="{FF2B5EF4-FFF2-40B4-BE49-F238E27FC236}">
-                <a16:creationId xmlns:a16="http://schemas.microsoft.com/office/drawing/2014/main" xmlns="" id="{D70123C1-31B5-3149-8CAE-DC077F2BFF08}"/>
+                <a16:creationId xmlns:a16="http://schemas.microsoft.com/office/drawing/2014/main" id="{D70123C1-31B5-3149-8CAE-DC077F2BFF08}"/>
               </a:ext>
             </a:extLst>
           </p:cNvPr>
@@ -20348,7 +20270,7 @@
     </p:spTree>
     <p:extLst>
       <p:ext uri="{BB962C8B-B14F-4D97-AF65-F5344CB8AC3E}">
-        <p14:creationId xmlns:p14="http://schemas.microsoft.com/office/powerpoint/2010/main" xmlns="" val="3588976481"/>
+        <p14:creationId xmlns:p14="http://schemas.microsoft.com/office/powerpoint/2010/main" val="3588976481"/>
       </p:ext>
     </p:extLst>
   </p:cSld>
@@ -20955,20 +20877,13 @@
     </p:spTree>
     <p:extLst>
       <p:ext uri="{BB962C8B-B14F-4D97-AF65-F5344CB8AC3E}">
-        <p14:creationId xmlns:p14="http://schemas.microsoft.com/office/powerpoint/2010/main" xmlns="" val="3399431587"/>
+        <p14:creationId xmlns:p14="http://schemas.microsoft.com/office/powerpoint/2010/main" val="3399431587"/>
       </p:ext>
     </p:extLst>
   </p:cSld>
   <p:clrMapOvr>
     <a:masterClrMapping/>
   </p:clrMapOvr>
-  <p:timing>
-    <p:tnLst>
-      <p:par>
-        <p:cTn id="1" dur="indefinite" restart="never" nodeType="tmRoot"/>
-      </p:par>
-    </p:tnLst>
-  </p:timing>
 </p:sld>
 </file>
 
@@ -21008,15 +20923,7 @@
           <a:p>
             <a:r>
               <a:rPr lang="en-US" altLang="en-US" dirty="0"/>
-              <a:t>Exercise </a:t>
-            </a:r>
-            <a:r>
-              <a:rPr lang="en-US" altLang="en-US" dirty="0" smtClean="0"/>
-              <a:t>1.1</a:t>
-            </a:r>
-            <a:r>
-              <a:rPr lang="en-US" altLang="en-US" dirty="0"/>
-              <a:t>: Working with Lambda Expressions</a:t>
+              <a:t>Exercise 1.1: Working with Lambda Expressions</a:t>
             </a:r>
           </a:p>
         </p:txBody>
@@ -21042,12 +20949,8 @@
               <a:buNone/>
             </a:pPr>
             <a:r>
-              <a:rPr lang="en-US" dirty="0" smtClean="0"/>
-              <a:t>Write </a:t>
-            </a:r>
-            <a:r>
               <a:rPr lang="en-US" dirty="0"/>
-              <a:t>the following methods that </a:t>
+              <a:t>Write the following methods that </a:t>
             </a:r>
             <a:r>
               <a:rPr lang="en-US" i="1" dirty="0"/>
@@ -21081,19 +20984,15 @@
               <a:t>: The lambda expression must return </a:t>
             </a:r>
             <a:r>
-              <a:rPr lang="en-US" b="1" dirty="0" smtClean="0"/>
+              <a:rPr lang="en-US" b="1" dirty="0"/>
               <a:t>true</a:t>
             </a:r>
             <a:r>
               <a:rPr lang="en-US" dirty="0"/>
-              <a:t> if a number is odd </a:t>
-            </a:r>
-            <a:r>
-              <a:rPr lang="en-US" dirty="0" smtClean="0"/>
-              <a:t>or </a:t>
-            </a:r>
-            <a:r>
-              <a:rPr lang="en-US" b="1" dirty="0" smtClean="0"/>
+              <a:t> if a number is odd or </a:t>
+            </a:r>
+            <a:r>
+              <a:rPr lang="en-US" b="1" dirty="0"/>
               <a:t>false</a:t>
             </a:r>
             <a:r>
@@ -21121,35 +21020,23 @@
             </a:r>
             <a:r>
               <a:rPr lang="en-US" dirty="0"/>
-              <a:t>: The lambda expression must </a:t>
-            </a:r>
-            <a:r>
-              <a:rPr lang="en-US" dirty="0" smtClean="0"/>
-              <a:t>return </a:t>
-            </a:r>
-            <a:r>
-              <a:rPr lang="en-US" b="1" dirty="0" smtClean="0"/>
+              <a:t>: The lambda expression must return </a:t>
+            </a:r>
+            <a:r>
+              <a:rPr lang="en-US" b="1" dirty="0"/>
               <a:t>true </a:t>
             </a:r>
             <a:r>
-              <a:rPr lang="en-US" dirty="0" smtClean="0"/>
-              <a:t>if </a:t>
-            </a:r>
-            <a:r>
               <a:rPr lang="en-US" dirty="0"/>
-              <a:t>a number is prime or  </a:t>
-            </a:r>
-            <a:r>
-              <a:rPr lang="en-US" b="1" dirty="0" smtClean="0"/>
+              <a:t>if a number is prime or  </a:t>
+            </a:r>
+            <a:r>
+              <a:rPr lang="en-US" b="1" dirty="0"/>
               <a:t>false</a:t>
             </a:r>
             <a:r>
-              <a:rPr lang="en-US" dirty="0" smtClean="0"/>
-              <a:t> if </a:t>
-            </a:r>
-            <a:r>
               <a:rPr lang="en-US" dirty="0"/>
-              <a:t>it is composite.</a:t>
+              <a:t> if it is composite.</a:t>
             </a:r>
           </a:p>
           <a:p>
@@ -21160,20 +21047,13 @@
     </p:spTree>
     <p:extLst>
       <p:ext uri="{BB962C8B-B14F-4D97-AF65-F5344CB8AC3E}">
-        <p14:creationId xmlns:p14="http://schemas.microsoft.com/office/powerpoint/2010/main" xmlns="" val="2689791439"/>
+        <p14:creationId xmlns:p14="http://schemas.microsoft.com/office/powerpoint/2010/main" val="2689791439"/>
       </p:ext>
     </p:extLst>
   </p:cSld>
   <p:clrMapOvr>
     <a:masterClrMapping/>
   </p:clrMapOvr>
-  <p:timing>
-    <p:tnLst>
-      <p:par>
-        <p:cTn id="1" dur="indefinite" restart="never" nodeType="tmRoot"/>
-      </p:par>
-    </p:tnLst>
-  </p:timing>
 </p:sld>
 </file>
 
@@ -21227,7 +21107,7 @@
           <p:cNvPr id="9" name="Table 8">
             <a:extLst>
               <a:ext uri="{FF2B5EF4-FFF2-40B4-BE49-F238E27FC236}">
-                <a16:creationId xmlns:a16="http://schemas.microsoft.com/office/drawing/2014/main" xmlns="" id="{EC21F636-1CF8-4E74-A533-EFBB297C52A6}"/>
+                <a16:creationId xmlns:a16="http://schemas.microsoft.com/office/drawing/2014/main" id="{EC21F636-1CF8-4E74-A533-EFBB297C52A6}"/>
               </a:ext>
             </a:extLst>
           </p:cNvPr>
@@ -21250,7 +21130,7 @@
                 <a:gridCol w="4506867">
                   <a:extLst>
                     <a:ext uri="{9D8B030D-6E8A-4147-A177-3AD203B41FA5}">
-                      <a16:colId xmlns:a16="http://schemas.microsoft.com/office/drawing/2014/main" xmlns="" val="1695728431"/>
+                      <a16:colId xmlns:a16="http://schemas.microsoft.com/office/drawing/2014/main" val="1695728431"/>
                     </a:ext>
                   </a:extLst>
                 </a:gridCol>
@@ -21301,7 +21181,7 @@
                 </a:tc>
                 <a:extLst>
                   <a:ext uri="{0D108BD9-81ED-4DB2-BD59-A6C34878D82A}">
-                    <a16:rowId xmlns:a16="http://schemas.microsoft.com/office/drawing/2014/main" xmlns="" val="2307098774"/>
+                    <a16:rowId xmlns:a16="http://schemas.microsoft.com/office/drawing/2014/main" val="2307098774"/>
                   </a:ext>
                 </a:extLst>
               </a:tr>
@@ -21359,7 +21239,7 @@
                 </a:tc>
                 <a:extLst>
                   <a:ext uri="{0D108BD9-81ED-4DB2-BD59-A6C34878D82A}">
-                    <a16:rowId xmlns:a16="http://schemas.microsoft.com/office/drawing/2014/main" xmlns="" val="1466711860"/>
+                    <a16:rowId xmlns:a16="http://schemas.microsoft.com/office/drawing/2014/main" val="1466711860"/>
                   </a:ext>
                 </a:extLst>
               </a:tr>
@@ -21415,7 +21295,7 @@
                 </a:tc>
                 <a:extLst>
                   <a:ext uri="{0D108BD9-81ED-4DB2-BD59-A6C34878D82A}">
-                    <a16:rowId xmlns:a16="http://schemas.microsoft.com/office/drawing/2014/main" xmlns="" val="1924402624"/>
+                    <a16:rowId xmlns:a16="http://schemas.microsoft.com/office/drawing/2014/main" val="1924402624"/>
                   </a:ext>
                 </a:extLst>
               </a:tr>
@@ -21473,7 +21353,7 @@
                 </a:tc>
                 <a:extLst>
                   <a:ext uri="{0D108BD9-81ED-4DB2-BD59-A6C34878D82A}">
-                    <a16:rowId xmlns:a16="http://schemas.microsoft.com/office/drawing/2014/main" xmlns="" val="2634114360"/>
+                    <a16:rowId xmlns:a16="http://schemas.microsoft.com/office/drawing/2014/main" val="2634114360"/>
                   </a:ext>
                 </a:extLst>
               </a:tr>
@@ -21531,7 +21411,7 @@
                 </a:tc>
                 <a:extLst>
                   <a:ext uri="{0D108BD9-81ED-4DB2-BD59-A6C34878D82A}">
-                    <a16:rowId xmlns:a16="http://schemas.microsoft.com/office/drawing/2014/main" xmlns="" val="376303497"/>
+                    <a16:rowId xmlns:a16="http://schemas.microsoft.com/office/drawing/2014/main" val="376303497"/>
                   </a:ext>
                 </a:extLst>
               </a:tr>
@@ -21542,20 +21422,13 @@
     </p:spTree>
     <p:extLst>
       <p:ext uri="{BB962C8B-B14F-4D97-AF65-F5344CB8AC3E}">
-        <p14:creationId xmlns:p14="http://schemas.microsoft.com/office/powerpoint/2010/main" xmlns="" val="2766964643"/>
+        <p14:creationId xmlns:p14="http://schemas.microsoft.com/office/powerpoint/2010/main" val="2766964643"/>
       </p:ext>
     </p:extLst>
   </p:cSld>
   <p:clrMapOvr>
     <a:masterClrMapping/>
   </p:clrMapOvr>
-  <p:timing>
-    <p:tnLst>
-      <p:par>
-        <p:cTn id="1" dur="indefinite" restart="never" nodeType="tmRoot"/>
-      </p:par>
-    </p:tnLst>
-  </p:timing>
 </p:sld>
 </file>
 
@@ -21630,7 +21503,7 @@
         </p:nvSpPr>
         <p:spPr bwMode="auto">
           <a:xfrm>
-            <a:off x="2016877" y="1673233"/>
+            <a:off x="3145881" y="1800580"/>
             <a:ext cx="8158246" cy="4401205"/>
           </a:xfrm>
           <a:prstGeom prst="rect">
@@ -21789,43 +21662,25 @@
                 </a:solidFill>
                 <a:latin typeface="Courier New" panose="02070309020205020404" pitchFamily="49" charset="0"/>
               </a:rPr>
-              <a:t>    </a:t>
-            </a:r>
-            <a:r>
-              <a:rPr lang="en-US" altLang="en-US" sz="1400" dirty="0" smtClean="0">
+              <a:t>    private Currency </a:t>
+            </a:r>
+            <a:r>
+              <a:rPr lang="en-US" altLang="en-US" sz="1400" dirty="0" err="1">
                 <a:solidFill>
                   <a:schemeClr val="tx1"/>
                 </a:solidFill>
                 <a:latin typeface="Courier New" panose="02070309020205020404" pitchFamily="49" charset="0"/>
               </a:rPr>
-              <a:t>private Currency </a:t>
-            </a:r>
-            <a:r>
-              <a:rPr lang="en-US" altLang="en-US" sz="1400" dirty="0" err="1" smtClean="0">
+              <a:t>currency</a:t>
+            </a:r>
+            <a:r>
+              <a:rPr lang="en-US" altLang="en-US" sz="1400" dirty="0">
                 <a:solidFill>
                   <a:schemeClr val="tx1"/>
                 </a:solidFill>
                 <a:latin typeface="Courier New" panose="02070309020205020404" pitchFamily="49" charset="0"/>
               </a:rPr>
-              <a:t>currency</a:t>
-            </a:r>
-            <a:r>
-              <a:rPr lang="en-US" altLang="en-US" sz="1400" dirty="0" smtClean="0">
-                <a:solidFill>
-                  <a:schemeClr val="tx1"/>
-                </a:solidFill>
-                <a:latin typeface="Courier New" panose="02070309020205020404" pitchFamily="49" charset="0"/>
-              </a:rPr>
               <a:t>;</a:t>
-            </a:r>
-            <a:r>
-              <a:rPr lang="en-US" altLang="en-US" sz="1400" dirty="0">
-                <a:solidFill>
-                  <a:schemeClr val="tx1"/>
-                </a:solidFill>
-                <a:latin typeface="Courier New" panose="02070309020205020404" pitchFamily="49" charset="0"/>
-              </a:rPr>
-              <a:t/>
             </a:r>
             <a:br>
               <a:rPr lang="en-US" altLang="en-US" sz="1400" dirty="0">
@@ -21869,15 +21724,6 @@
                 <a:latin typeface="Courier New" panose="02070309020205020404" pitchFamily="49" charset="0"/>
               </a:rPr>
             </a:br>
-            <a:r>
-              <a:rPr lang="en-US" altLang="en-US" sz="1400" dirty="0">
-                <a:solidFill>
-                  <a:schemeClr val="tx1"/>
-                </a:solidFill>
-                <a:latin typeface="Courier New" panose="02070309020205020404" pitchFamily="49" charset="0"/>
-              </a:rPr>
-              <a:t/>
-            </a:r>
             <a:br>
               <a:rPr lang="en-US" altLang="en-US" sz="1400" dirty="0">
                 <a:solidFill>
@@ -21954,15 +21800,6 @@
                 <a:latin typeface="Courier New" panose="02070309020205020404" pitchFamily="49" charset="0"/>
               </a:rPr>
             </a:br>
-            <a:r>
-              <a:rPr lang="en-US" altLang="en-US" sz="1400" dirty="0">
-                <a:solidFill>
-                  <a:schemeClr val="tx1"/>
-                </a:solidFill>
-                <a:latin typeface="Courier New" panose="02070309020205020404" pitchFamily="49" charset="0"/>
-              </a:rPr>
-              <a:t/>
-            </a:r>
             <a:br>
               <a:rPr lang="en-US" altLang="en-US" sz="1400" dirty="0">
                 <a:solidFill>
@@ -22139,20 +21976,13 @@
     </p:spTree>
     <p:extLst>
       <p:ext uri="{BB962C8B-B14F-4D97-AF65-F5344CB8AC3E}">
-        <p14:creationId xmlns:p14="http://schemas.microsoft.com/office/powerpoint/2010/main" xmlns="" val="3872353084"/>
+        <p14:creationId xmlns:p14="http://schemas.microsoft.com/office/powerpoint/2010/main" val="3872353084"/>
       </p:ext>
     </p:extLst>
   </p:cSld>
   <p:clrMapOvr>
     <a:masterClrMapping/>
   </p:clrMapOvr>
-  <p:timing>
-    <p:tnLst>
-      <p:par>
-        <p:cTn id="1" dur="indefinite" restart="never" nodeType="tmRoot"/>
-      </p:par>
-    </p:tnLst>
-  </p:timing>
 </p:sld>
 </file>
 
@@ -22664,15 +22494,6 @@
                 <a:latin typeface="Courier New" panose="02070309020205020404" pitchFamily="49" charset="0"/>
               </a:rPr>
             </a:br>
-            <a:r>
-              <a:rPr lang="en-US" altLang="en-US" sz="1400" dirty="0">
-                <a:solidFill>
-                  <a:schemeClr val="tx1"/>
-                </a:solidFill>
-                <a:latin typeface="Courier New" panose="02070309020205020404" pitchFamily="49" charset="0"/>
-              </a:rPr>
-              <a:t/>
-            </a:r>
             <a:br>
               <a:rPr lang="en-US" altLang="en-US" sz="1400" dirty="0">
                 <a:solidFill>
@@ -22829,20 +22650,13 @@
     </p:spTree>
     <p:extLst>
       <p:ext uri="{BB962C8B-B14F-4D97-AF65-F5344CB8AC3E}">
-        <p14:creationId xmlns:p14="http://schemas.microsoft.com/office/powerpoint/2010/main" xmlns="" val="115619371"/>
+        <p14:creationId xmlns:p14="http://schemas.microsoft.com/office/powerpoint/2010/main" val="115619371"/>
       </p:ext>
     </p:extLst>
   </p:cSld>
   <p:clrMapOvr>
     <a:masterClrMapping/>
   </p:clrMapOvr>
-  <p:timing>
-    <p:tnLst>
-      <p:par>
-        <p:cTn id="1" dur="indefinite" restart="never" nodeType="tmRoot"/>
-      </p:par>
-    </p:tnLst>
-  </p:timing>
 </p:sld>
 </file>
 
@@ -23449,20 +23263,13 @@
     </p:spTree>
     <p:extLst>
       <p:ext uri="{BB962C8B-B14F-4D97-AF65-F5344CB8AC3E}">
-        <p14:creationId xmlns:p14="http://schemas.microsoft.com/office/powerpoint/2010/main" xmlns="" val="3273967914"/>
+        <p14:creationId xmlns:p14="http://schemas.microsoft.com/office/powerpoint/2010/main" val="3273967914"/>
       </p:ext>
     </p:extLst>
   </p:cSld>
   <p:clrMapOvr>
     <a:masterClrMapping/>
   </p:clrMapOvr>
-  <p:timing>
-    <p:tnLst>
-      <p:par>
-        <p:cTn id="1" dur="indefinite" restart="never" nodeType="tmRoot"/>
-      </p:par>
-    </p:tnLst>
-  </p:timing>
 </p:sld>
 </file>
 
@@ -24024,20 +23831,13 @@
     </p:spTree>
     <p:extLst>
       <p:ext uri="{BB962C8B-B14F-4D97-AF65-F5344CB8AC3E}">
-        <p14:creationId xmlns:p14="http://schemas.microsoft.com/office/powerpoint/2010/main" xmlns="" val="3613206164"/>
+        <p14:creationId xmlns:p14="http://schemas.microsoft.com/office/powerpoint/2010/main" val="3613206164"/>
       </p:ext>
     </p:extLst>
   </p:cSld>
   <p:clrMapOvr>
     <a:masterClrMapping/>
   </p:clrMapOvr>
-  <p:timing>
-    <p:tnLst>
-      <p:par>
-        <p:cTn id="1" dur="indefinite" restart="never" nodeType="tmRoot"/>
-      </p:par>
-    </p:tnLst>
-  </p:timing>
 </p:sld>
 </file>
 
@@ -24193,20 +23993,13 @@
     </p:spTree>
     <p:extLst>
       <p:ext uri="{BB962C8B-B14F-4D97-AF65-F5344CB8AC3E}">
-        <p14:creationId xmlns:p14="http://schemas.microsoft.com/office/powerpoint/2010/main" xmlns="" val="3210912407"/>
+        <p14:creationId xmlns:p14="http://schemas.microsoft.com/office/powerpoint/2010/main" val="3210912407"/>
       </p:ext>
     </p:extLst>
   </p:cSld>
   <p:clrMapOvr>
     <a:masterClrMapping/>
   </p:clrMapOvr>
-  <p:timing>
-    <p:tnLst>
-      <p:par>
-        <p:cTn id="1" dur="indefinite" restart="never" nodeType="tmRoot"/>
-      </p:par>
-    </p:tnLst>
-  </p:timing>
 </p:sld>
 </file>
 
@@ -24260,7 +24053,7 @@
           <p:cNvPr id="9" name="Table 8">
             <a:extLst>
               <a:ext uri="{FF2B5EF4-FFF2-40B4-BE49-F238E27FC236}">
-                <a16:creationId xmlns:a16="http://schemas.microsoft.com/office/drawing/2014/main" xmlns="" id="{2BD00438-5E7B-44EC-9CDA-487083CC0E9C}"/>
+                <a16:creationId xmlns:a16="http://schemas.microsoft.com/office/drawing/2014/main" id="{2BD00438-5E7B-44EC-9CDA-487083CC0E9C}"/>
               </a:ext>
             </a:extLst>
           </p:cNvPr>
@@ -24283,7 +24076,7 @@
                 <a:gridCol w="4506867">
                   <a:extLst>
                     <a:ext uri="{9D8B030D-6E8A-4147-A177-3AD203B41FA5}">
-                      <a16:colId xmlns:a16="http://schemas.microsoft.com/office/drawing/2014/main" xmlns="" val="1695728431"/>
+                      <a16:colId xmlns:a16="http://schemas.microsoft.com/office/drawing/2014/main" val="1695728431"/>
                     </a:ext>
                   </a:extLst>
                 </a:gridCol>
@@ -24334,7 +24127,7 @@
                 </a:tc>
                 <a:extLst>
                   <a:ext uri="{0D108BD9-81ED-4DB2-BD59-A6C34878D82A}">
-                    <a16:rowId xmlns:a16="http://schemas.microsoft.com/office/drawing/2014/main" xmlns="" val="2307098774"/>
+                    <a16:rowId xmlns:a16="http://schemas.microsoft.com/office/drawing/2014/main" val="2307098774"/>
                   </a:ext>
                 </a:extLst>
               </a:tr>
@@ -24392,7 +24185,7 @@
                 </a:tc>
                 <a:extLst>
                   <a:ext uri="{0D108BD9-81ED-4DB2-BD59-A6C34878D82A}">
-                    <a16:rowId xmlns:a16="http://schemas.microsoft.com/office/drawing/2014/main" xmlns="" val="1466711860"/>
+                    <a16:rowId xmlns:a16="http://schemas.microsoft.com/office/drawing/2014/main" val="1466711860"/>
                   </a:ext>
                 </a:extLst>
               </a:tr>
@@ -24450,7 +24243,7 @@
                 </a:tc>
                 <a:extLst>
                   <a:ext uri="{0D108BD9-81ED-4DB2-BD59-A6C34878D82A}">
-                    <a16:rowId xmlns:a16="http://schemas.microsoft.com/office/drawing/2014/main" xmlns="" val="1924402624"/>
+                    <a16:rowId xmlns:a16="http://schemas.microsoft.com/office/drawing/2014/main" val="1924402624"/>
                   </a:ext>
                 </a:extLst>
               </a:tr>
@@ -24506,7 +24299,7 @@
                 </a:tc>
                 <a:extLst>
                   <a:ext uri="{0D108BD9-81ED-4DB2-BD59-A6C34878D82A}">
-                    <a16:rowId xmlns:a16="http://schemas.microsoft.com/office/drawing/2014/main" xmlns="" val="2634114360"/>
+                    <a16:rowId xmlns:a16="http://schemas.microsoft.com/office/drawing/2014/main" val="2634114360"/>
                   </a:ext>
                 </a:extLst>
               </a:tr>
@@ -24564,7 +24357,7 @@
                 </a:tc>
                 <a:extLst>
                   <a:ext uri="{0D108BD9-81ED-4DB2-BD59-A6C34878D82A}">
-                    <a16:rowId xmlns:a16="http://schemas.microsoft.com/office/drawing/2014/main" xmlns="" val="376303497"/>
+                    <a16:rowId xmlns:a16="http://schemas.microsoft.com/office/drawing/2014/main" val="376303497"/>
                   </a:ext>
                 </a:extLst>
               </a:tr>
@@ -24575,20 +24368,13 @@
     </p:spTree>
     <p:extLst>
       <p:ext uri="{BB962C8B-B14F-4D97-AF65-F5344CB8AC3E}">
-        <p14:creationId xmlns:p14="http://schemas.microsoft.com/office/powerpoint/2010/main" xmlns="" val="1903324420"/>
+        <p14:creationId xmlns:p14="http://schemas.microsoft.com/office/powerpoint/2010/main" val="1903324420"/>
       </p:ext>
     </p:extLst>
   </p:cSld>
   <p:clrMapOvr>
     <a:masterClrMapping/>
   </p:clrMapOvr>
-  <p:timing>
-    <p:tnLst>
-      <p:par>
-        <p:cTn id="1" dur="indefinite" restart="never" nodeType="tmRoot"/>
-      </p:par>
-    </p:tnLst>
-  </p:timing>
 </p:sld>
 </file>
 
@@ -24708,20 +24494,13 @@
     </p:spTree>
     <p:extLst>
       <p:ext uri="{BB962C8B-B14F-4D97-AF65-F5344CB8AC3E}">
-        <p14:creationId xmlns:p14="http://schemas.microsoft.com/office/powerpoint/2010/main" xmlns="" val="4172802628"/>
+        <p14:creationId xmlns:p14="http://schemas.microsoft.com/office/powerpoint/2010/main" val="4172802628"/>
       </p:ext>
     </p:extLst>
   </p:cSld>
   <p:clrMapOvr>
     <a:masterClrMapping/>
   </p:clrMapOvr>
-  <p:timing>
-    <p:tnLst>
-      <p:par>
-        <p:cTn id="1" dur="indefinite" restart="never" nodeType="tmRoot"/>
-      </p:par>
-    </p:tnLst>
-  </p:timing>
 </p:sld>
 </file>
 
@@ -24814,20 +24593,13 @@
     </p:spTree>
     <p:extLst>
       <p:ext uri="{BB962C8B-B14F-4D97-AF65-F5344CB8AC3E}">
-        <p14:creationId xmlns:p14="http://schemas.microsoft.com/office/powerpoint/2010/main" xmlns="" val="2662225195"/>
+        <p14:creationId xmlns:p14="http://schemas.microsoft.com/office/powerpoint/2010/main" val="2662225195"/>
       </p:ext>
     </p:extLst>
   </p:cSld>
   <p:clrMapOvr>
     <a:masterClrMapping/>
   </p:clrMapOvr>
-  <p:timing>
-    <p:tnLst>
-      <p:par>
-        <p:cTn id="1" dur="indefinite" restart="never" nodeType="tmRoot"/>
-      </p:par>
-    </p:tnLst>
-  </p:timing>
 </p:sld>
 </file>
 
@@ -25182,20 +24954,13 @@
     </p:spTree>
     <p:extLst>
       <p:ext uri="{BB962C8B-B14F-4D97-AF65-F5344CB8AC3E}">
-        <p14:creationId xmlns:p14="http://schemas.microsoft.com/office/powerpoint/2010/main" xmlns="" val="2216304568"/>
+        <p14:creationId xmlns:p14="http://schemas.microsoft.com/office/powerpoint/2010/main" val="2216304568"/>
       </p:ext>
     </p:extLst>
   </p:cSld>
   <p:clrMapOvr>
     <a:masterClrMapping/>
   </p:clrMapOvr>
-  <p:timing>
-    <p:tnLst>
-      <p:par>
-        <p:cTn id="1" dur="indefinite" restart="never" nodeType="tmRoot"/>
-      </p:par>
-    </p:tnLst>
-  </p:timing>
 </p:sld>
 </file>
 
@@ -25358,20 +25123,13 @@
     </p:spTree>
     <p:extLst>
       <p:ext uri="{BB962C8B-B14F-4D97-AF65-F5344CB8AC3E}">
-        <p14:creationId xmlns:p14="http://schemas.microsoft.com/office/powerpoint/2010/main" xmlns="" val="735786794"/>
+        <p14:creationId xmlns:p14="http://schemas.microsoft.com/office/powerpoint/2010/main" val="735786794"/>
       </p:ext>
     </p:extLst>
   </p:cSld>
   <p:clrMapOvr>
     <a:masterClrMapping/>
   </p:clrMapOvr>
-  <p:timing>
-    <p:tnLst>
-      <p:par>
-        <p:cTn id="1" dur="indefinite" restart="never" nodeType="tmRoot"/>
-      </p:par>
-    </p:tnLst>
-  </p:timing>
 </p:sld>
 </file>
 
@@ -26158,20 +25916,13 @@
     </p:spTree>
     <p:extLst>
       <p:ext uri="{BB962C8B-B14F-4D97-AF65-F5344CB8AC3E}">
-        <p14:creationId xmlns:p14="http://schemas.microsoft.com/office/powerpoint/2010/main" xmlns="" val="2049757640"/>
+        <p14:creationId xmlns:p14="http://schemas.microsoft.com/office/powerpoint/2010/main" val="2049757640"/>
       </p:ext>
     </p:extLst>
   </p:cSld>
   <p:clrMapOvr>
     <a:masterClrMapping/>
   </p:clrMapOvr>
-  <p:timing>
-    <p:tnLst>
-      <p:par>
-        <p:cTn id="1" dur="indefinite" restart="never" nodeType="tmRoot"/>
-      </p:par>
-    </p:tnLst>
-  </p:timing>
 </p:sld>
 </file>
 
@@ -26474,20 +26225,13 @@
     </p:spTree>
     <p:extLst>
       <p:ext uri="{BB962C8B-B14F-4D97-AF65-F5344CB8AC3E}">
-        <p14:creationId xmlns:p14="http://schemas.microsoft.com/office/powerpoint/2010/main" xmlns="" val="548868070"/>
+        <p14:creationId xmlns:p14="http://schemas.microsoft.com/office/powerpoint/2010/main" val="548868070"/>
       </p:ext>
     </p:extLst>
   </p:cSld>
   <p:clrMapOvr>
     <a:masterClrMapping/>
   </p:clrMapOvr>
-  <p:timing>
-    <p:tnLst>
-      <p:par>
-        <p:cTn id="1" dur="indefinite" restart="never" nodeType="tmRoot"/>
-      </p:par>
-    </p:tnLst>
-  </p:timing>
 </p:sld>
 </file>
 
@@ -27187,20 +26931,13 @@
     </p:spTree>
     <p:extLst>
       <p:ext uri="{BB962C8B-B14F-4D97-AF65-F5344CB8AC3E}">
-        <p14:creationId xmlns:p14="http://schemas.microsoft.com/office/powerpoint/2010/main" xmlns="" val="386424874"/>
+        <p14:creationId xmlns:p14="http://schemas.microsoft.com/office/powerpoint/2010/main" val="386424874"/>
       </p:ext>
     </p:extLst>
   </p:cSld>
   <p:clrMapOvr>
     <a:masterClrMapping/>
   </p:clrMapOvr>
-  <p:timing>
-    <p:tnLst>
-      <p:par>
-        <p:cTn id="1" dur="indefinite" restart="never" nodeType="tmRoot"/>
-      </p:par>
-    </p:tnLst>
-  </p:timing>
 </p:sld>
 </file>
 
@@ -27507,20 +27244,13 @@
     </p:spTree>
     <p:extLst>
       <p:ext uri="{BB962C8B-B14F-4D97-AF65-F5344CB8AC3E}">
-        <p14:creationId xmlns:p14="http://schemas.microsoft.com/office/powerpoint/2010/main" xmlns="" val="964550885"/>
+        <p14:creationId xmlns:p14="http://schemas.microsoft.com/office/powerpoint/2010/main" val="964550885"/>
       </p:ext>
     </p:extLst>
   </p:cSld>
   <p:clrMapOvr>
     <a:masterClrMapping/>
   </p:clrMapOvr>
-  <p:timing>
-    <p:tnLst>
-      <p:par>
-        <p:cTn id="1" dur="indefinite" restart="never" nodeType="tmRoot"/>
-      </p:par>
-    </p:tnLst>
-  </p:timing>
 </p:sld>
 </file>
 
@@ -28213,20 +27943,13 @@
     </p:spTree>
     <p:extLst>
       <p:ext uri="{BB962C8B-B14F-4D97-AF65-F5344CB8AC3E}">
-        <p14:creationId xmlns:p14="http://schemas.microsoft.com/office/powerpoint/2010/main" xmlns="" val="3854682618"/>
+        <p14:creationId xmlns:p14="http://schemas.microsoft.com/office/powerpoint/2010/main" val="3854682618"/>
       </p:ext>
     </p:extLst>
   </p:cSld>
   <p:clrMapOvr>
     <a:masterClrMapping/>
   </p:clrMapOvr>
-  <p:timing>
-    <p:tnLst>
-      <p:par>
-        <p:cTn id="1" dur="indefinite" restart="never" nodeType="tmRoot"/>
-      </p:par>
-    </p:tnLst>
-  </p:timing>
 </p:sld>
 </file>
 
@@ -28959,20 +28682,13 @@
     </p:spTree>
     <p:extLst>
       <p:ext uri="{BB962C8B-B14F-4D97-AF65-F5344CB8AC3E}">
-        <p14:creationId xmlns:p14="http://schemas.microsoft.com/office/powerpoint/2010/main" xmlns="" val="2602119821"/>
+        <p14:creationId xmlns:p14="http://schemas.microsoft.com/office/powerpoint/2010/main" val="2602119821"/>
       </p:ext>
     </p:extLst>
   </p:cSld>
   <p:clrMapOvr>
     <a:masterClrMapping/>
   </p:clrMapOvr>
-  <p:timing>
-    <p:tnLst>
-      <p:par>
-        <p:cTn id="1" dur="indefinite" restart="never" nodeType="tmRoot"/>
-      </p:par>
-    </p:tnLst>
-  </p:timing>
 </p:sld>
 </file>
 
@@ -29269,20 +28985,13 @@
     </p:spTree>
     <p:extLst>
       <p:ext uri="{BB962C8B-B14F-4D97-AF65-F5344CB8AC3E}">
-        <p14:creationId xmlns:p14="http://schemas.microsoft.com/office/powerpoint/2010/main" xmlns="" val="3658043857"/>
+        <p14:creationId xmlns:p14="http://schemas.microsoft.com/office/powerpoint/2010/main" val="3658043857"/>
       </p:ext>
     </p:extLst>
   </p:cSld>
   <p:clrMapOvr>
     <a:masterClrMapping/>
   </p:clrMapOvr>
-  <p:timing>
-    <p:tnLst>
-      <p:par>
-        <p:cTn id="1" dur="indefinite" restart="never" nodeType="tmRoot"/>
-      </p:par>
-    </p:tnLst>
-  </p:timing>
 </p:sld>
 </file>
 
@@ -29946,20 +29655,13 @@
     </p:spTree>
     <p:extLst>
       <p:ext uri="{BB962C8B-B14F-4D97-AF65-F5344CB8AC3E}">
-        <p14:creationId xmlns:p14="http://schemas.microsoft.com/office/powerpoint/2010/main" xmlns="" val="1612671920"/>
+        <p14:creationId xmlns:p14="http://schemas.microsoft.com/office/powerpoint/2010/main" val="1612671920"/>
       </p:ext>
     </p:extLst>
   </p:cSld>
   <p:clrMapOvr>
     <a:masterClrMapping/>
   </p:clrMapOvr>
-  <p:timing>
-    <p:tnLst>
-      <p:par>
-        <p:cTn id="1" dur="indefinite" restart="never" nodeType="tmRoot"/>
-      </p:par>
-    </p:tnLst>
-  </p:timing>
 </p:sld>
 </file>
 
@@ -30057,20 +29759,13 @@
     </p:spTree>
     <p:extLst>
       <p:ext uri="{BB962C8B-B14F-4D97-AF65-F5344CB8AC3E}">
-        <p14:creationId xmlns:p14="http://schemas.microsoft.com/office/powerpoint/2010/main" xmlns="" val="3150007478"/>
+        <p14:creationId xmlns:p14="http://schemas.microsoft.com/office/powerpoint/2010/main" val="3150007478"/>
       </p:ext>
     </p:extLst>
   </p:cSld>
   <p:clrMapOvr>
     <a:masterClrMapping/>
   </p:clrMapOvr>
-  <p:timing>
-    <p:tnLst>
-      <p:par>
-        <p:cTn id="1" dur="indefinite" restart="never" nodeType="tmRoot"/>
-      </p:par>
-    </p:tnLst>
-  </p:timing>
 </p:sld>
 </file>
 
@@ -30299,20 +29994,13 @@
     </p:spTree>
     <p:extLst>
       <p:ext uri="{BB962C8B-B14F-4D97-AF65-F5344CB8AC3E}">
-        <p14:creationId xmlns:p14="http://schemas.microsoft.com/office/powerpoint/2010/main" xmlns="" val="877895591"/>
+        <p14:creationId xmlns:p14="http://schemas.microsoft.com/office/powerpoint/2010/main" val="877895591"/>
       </p:ext>
     </p:extLst>
   </p:cSld>
   <p:clrMapOvr>
     <a:masterClrMapping/>
   </p:clrMapOvr>
-  <p:timing>
-    <p:tnLst>
-      <p:par>
-        <p:cTn id="1" dur="indefinite" restart="never" nodeType="tmRoot"/>
-      </p:par>
-    </p:tnLst>
-  </p:timing>
 </p:sld>
 </file>
 
@@ -30584,12 +30272,6 @@
                 <a:ea typeface="ＭＳ Ｐゴシック" charset="0"/>
               </a:rPr>
             </a:br>
-            <a:r>
-              <a:rPr lang="en-US" sz="1865" dirty="0">
-                <a:ea typeface="ＭＳ Ｐゴシック" charset="0"/>
-              </a:rPr>
-              <a:t/>
-            </a:r>
             <a:br>
               <a:rPr lang="en-US" sz="1865" dirty="0">
                 <a:ea typeface="ＭＳ Ｐゴシック" charset="0"/>
@@ -30663,12 +30345,6 @@
                 <a:ea typeface="ＭＳ Ｐゴシック" charset="0"/>
               </a:rPr>
             </a:br>
-            <a:r>
-              <a:rPr lang="en-US" sz="1865" dirty="0">
-                <a:ea typeface="ＭＳ Ｐゴシック" charset="0"/>
-              </a:rPr>
-              <a:t/>
-            </a:r>
             <a:br>
               <a:rPr lang="en-US" sz="1865" dirty="0">
                 <a:ea typeface="ＭＳ Ｐゴシック" charset="0"/>
@@ -30782,20 +30458,13 @@
     </p:spTree>
     <p:extLst>
       <p:ext uri="{BB962C8B-B14F-4D97-AF65-F5344CB8AC3E}">
-        <p14:creationId xmlns:p14="http://schemas.microsoft.com/office/powerpoint/2010/main" xmlns="" val="1391094891"/>
+        <p14:creationId xmlns:p14="http://schemas.microsoft.com/office/powerpoint/2010/main" val="1391094891"/>
       </p:ext>
     </p:extLst>
   </p:cSld>
   <p:clrMapOvr>
     <a:masterClrMapping/>
   </p:clrMapOvr>
-  <p:timing>
-    <p:tnLst>
-      <p:par>
-        <p:cTn id="1" dur="indefinite" restart="never" nodeType="tmRoot"/>
-      </p:par>
-    </p:tnLst>
-  </p:timing>
 </p:sld>
 </file>
 
@@ -31543,20 +31212,13 @@
     </p:spTree>
     <p:extLst>
       <p:ext uri="{BB962C8B-B14F-4D97-AF65-F5344CB8AC3E}">
-        <p14:creationId xmlns:p14="http://schemas.microsoft.com/office/powerpoint/2010/main" xmlns="" val="782008763"/>
+        <p14:creationId xmlns:p14="http://schemas.microsoft.com/office/powerpoint/2010/main" val="782008763"/>
       </p:ext>
     </p:extLst>
   </p:cSld>
   <p:clrMapOvr>
     <a:masterClrMapping/>
   </p:clrMapOvr>
-  <p:timing>
-    <p:tnLst>
-      <p:par>
-        <p:cTn id="1" dur="indefinite" restart="never" nodeType="tmRoot"/>
-      </p:par>
-    </p:tnLst>
-  </p:timing>
 </p:sld>
 </file>
 
@@ -32005,20 +31667,13 @@
     </p:spTree>
     <p:extLst>
       <p:ext uri="{BB962C8B-B14F-4D97-AF65-F5344CB8AC3E}">
-        <p14:creationId xmlns:p14="http://schemas.microsoft.com/office/powerpoint/2010/main" xmlns="" val="3122647997"/>
+        <p14:creationId xmlns:p14="http://schemas.microsoft.com/office/powerpoint/2010/main" val="3122647997"/>
       </p:ext>
     </p:extLst>
   </p:cSld>
   <p:clrMapOvr>
     <a:masterClrMapping/>
   </p:clrMapOvr>
-  <p:timing>
-    <p:tnLst>
-      <p:par>
-        <p:cTn id="1" dur="indefinite" restart="never" nodeType="tmRoot"/>
-      </p:par>
-    </p:tnLst>
-  </p:timing>
 </p:sld>
 </file>
 
@@ -32129,20 +31784,13 @@
     </p:spTree>
     <p:extLst>
       <p:ext uri="{BB962C8B-B14F-4D97-AF65-F5344CB8AC3E}">
-        <p14:creationId xmlns:p14="http://schemas.microsoft.com/office/powerpoint/2010/main" xmlns="" val="2756058606"/>
+        <p14:creationId xmlns:p14="http://schemas.microsoft.com/office/powerpoint/2010/main" val="2756058606"/>
       </p:ext>
     </p:extLst>
   </p:cSld>
   <p:clrMapOvr>
     <a:masterClrMapping/>
   </p:clrMapOvr>
-  <p:timing>
-    <p:tnLst>
-      <p:par>
-        <p:cTn id="1" dur="indefinite" restart="never" nodeType="tmRoot"/>
-      </p:par>
-    </p:tnLst>
-  </p:timing>
 </p:sld>
 </file>
 
@@ -32182,15 +31830,7 @@
           <a:p>
             <a:r>
               <a:rPr lang="en-US" altLang="en-US" dirty="0"/>
-              <a:t>Exercise </a:t>
-            </a:r>
-            <a:r>
-              <a:rPr lang="en-US" altLang="en-US" dirty="0" smtClean="0"/>
-              <a:t>1.2</a:t>
-            </a:r>
-            <a:r>
-              <a:rPr lang="en-US" altLang="en-US" dirty="0"/>
-              <a:t>: Working with Functional Interfaces</a:t>
+              <a:t>Exercise 1.2: Working with Functional Interfaces</a:t>
             </a:r>
           </a:p>
         </p:txBody>
@@ -32217,13 +31857,8 @@
             </a:pPr>
             <a:r>
               <a:rPr lang="en-US" sz="1200" dirty="0"/>
-              <a:t>Create a calculator </a:t>
-            </a:r>
-            <a:r>
-              <a:rPr lang="en-US" sz="1200" dirty="0" smtClean="0"/>
-              <a:t>to perform:</a:t>
-            </a:r>
-            <a:endParaRPr lang="en-US" sz="1200" dirty="0"/>
+              <a:t>Create a calculator to perform:</a:t>
+            </a:r>
           </a:p>
           <a:p>
             <a:pPr>
@@ -32240,11 +31875,7 @@
             </a:pPr>
             <a:r>
               <a:rPr lang="en-US" sz="1200" dirty="0"/>
-              <a:t>Evaluate the equation from left to right (no priority to be taken at this stage</a:t>
-            </a:r>
-            <a:r>
-              <a:rPr lang="en-US" sz="1200" dirty="0" smtClean="0"/>
-              <a:t>)</a:t>
+              <a:t>Evaluate the equation from left to right (no priority to be taken at this stage)</a:t>
             </a:r>
           </a:p>
           <a:p>
@@ -32252,16 +31883,8 @@
               <a:buNone/>
             </a:pPr>
             <a:r>
-              <a:rPr lang="en-US" sz="1200" dirty="0" smtClean="0"/>
-              <a:t>Hint: Step </a:t>
-            </a:r>
-            <a:r>
               <a:rPr lang="en-US" sz="1200" dirty="0"/>
-              <a:t>1: create new java project 2</a:t>
-            </a:r>
-            <a:r>
-              <a:rPr lang="en-US" sz="1200" dirty="0" smtClean="0"/>
-              <a:t>.</a:t>
+              <a:t>Hint: Step 1: create new java project 2.</a:t>
             </a:r>
           </a:p>
           <a:p>
@@ -32269,16 +31892,8 @@
               <a:buNone/>
             </a:pPr>
             <a:r>
-              <a:rPr lang="en-US" sz="1200" dirty="0" smtClean="0"/>
-              <a:t>        Step 2: </a:t>
-            </a:r>
-            <a:r>
               <a:rPr lang="en-US" sz="1200" dirty="0"/>
-              <a:t>create </a:t>
-            </a:r>
-            <a:r>
-              <a:rPr lang="en-US" sz="1200" dirty="0" smtClean="0"/>
-              <a:t>functional interface Arithmetic.</a:t>
+              <a:t>        Step 2: create functional interface Arithmetic.</a:t>
             </a:r>
           </a:p>
           <a:p>
@@ -32286,12 +31901,8 @@
               <a:buNone/>
             </a:pPr>
             <a:r>
-              <a:rPr lang="en-US" sz="1200" dirty="0" smtClean="0"/>
-              <a:t>        Step 3</a:t>
-            </a:r>
-            <a:r>
               <a:rPr lang="en-US" sz="1200" dirty="0"/>
-              <a:t>: create </a:t>
+              <a:t>        Step 3: create </a:t>
             </a:r>
             <a:r>
               <a:rPr lang="en-US" sz="1200" dirty="0" err="1"/>
@@ -32321,11 +31932,7 @@
             </a:pPr>
             <a:r>
               <a:rPr lang="en-US" sz="1200" dirty="0"/>
-              <a:t>        </a:t>
-            </a:r>
-            <a:r>
-              <a:rPr lang="en-US" sz="1200" dirty="0" smtClean="0"/>
-              <a:t>Step 4: create </a:t>
+              <a:t>        Step 4: create </a:t>
             </a:r>
             <a:r>
               <a:rPr lang="en-US" sz="1200" dirty="0" err="1"/>
@@ -32357,12 +31964,8 @@
               <a:buNone/>
             </a:pPr>
             <a:r>
-              <a:rPr lang="en-US" sz="1200" dirty="0" smtClean="0"/>
-              <a:t>        Step 5: create </a:t>
-            </a:r>
-            <a:r>
               <a:rPr lang="en-US" sz="1200" dirty="0"/>
-              <a:t>the class Add, Sub, </a:t>
+              <a:t>        Step 5: create the class Add, Sub, </a:t>
             </a:r>
             <a:r>
               <a:rPr lang="en-US" sz="1200" dirty="0" err="1"/>
@@ -32370,11 +31973,7 @@
             </a:r>
             <a:r>
               <a:rPr lang="en-US" sz="1200" dirty="0"/>
-              <a:t>, Div and Percent which over rides the method of </a:t>
-            </a:r>
-            <a:r>
-              <a:rPr lang="en-US" sz="1200" dirty="0" smtClean="0"/>
-              <a:t>Arithmetic.</a:t>
+              <a:t>, Div and Percent which over rides the method of Arithmetic.</a:t>
             </a:r>
           </a:p>
           <a:p>
@@ -32383,15 +31982,7 @@
             </a:pPr>
             <a:r>
               <a:rPr lang="en-US" sz="1200" dirty="0"/>
-              <a:t> </a:t>
-            </a:r>
-            <a:r>
-              <a:rPr lang="en-US" sz="1200" dirty="0" smtClean="0"/>
-              <a:t>       Step 6: </a:t>
-            </a:r>
-            <a:r>
-              <a:rPr lang="en-US" sz="1200" dirty="0"/>
-              <a:t>create </a:t>
+              <a:t>        Step 6: create </a:t>
             </a:r>
             <a:r>
               <a:rPr lang="en-US" sz="1200" dirty="0" err="1"/>
@@ -32407,15 +31998,7 @@
             </a:r>
             <a:r>
               <a:rPr lang="en-US" sz="1200" dirty="0"/>
-              <a:t>, trigonometric and scientific operation </a:t>
-            </a:r>
-            <a:r>
-              <a:rPr lang="en-US" sz="1200" dirty="0" smtClean="0"/>
-              <a:t>it </a:t>
-            </a:r>
-            <a:r>
-              <a:rPr lang="en-US" sz="1200" dirty="0"/>
-              <a:t>should evaluate the expression of kind "10 + </a:t>
+              <a:t>, trigonometric and scientific operation it should evaluate the expression of kind "10 + </a:t>
             </a:r>
             <a:r>
               <a:rPr lang="en-US" sz="1200" dirty="0" err="1"/>
@@ -32423,11 +32006,7 @@
             </a:r>
             <a:r>
               <a:rPr lang="en-US" sz="1200" dirty="0"/>
-              <a:t>(4) + sin(90)". ( of any combination and any length from left to right</a:t>
-            </a:r>
-            <a:r>
-              <a:rPr lang="en-US" sz="1200" dirty="0" smtClean="0"/>
-              <a:t>). </a:t>
+              <a:t>(4) + sin(90)". ( of any combination and any length from left to right). </a:t>
             </a:r>
           </a:p>
           <a:p>
@@ -32435,12 +32014,8 @@
               <a:buNone/>
             </a:pPr>
             <a:r>
-              <a:rPr lang="en-US" sz="1200" dirty="0" smtClean="0"/>
-              <a:t>        Step 7:   </a:t>
-            </a:r>
-            <a:r>
               <a:rPr lang="en-US" sz="1200" dirty="0"/>
-              <a:t>Add Date evaluator class to evaluate date as below using functional programming .</a:t>
+              <a:t>        Step 7:   Add Date evaluator class to evaluate date as below using functional programming .</a:t>
             </a:r>
           </a:p>
           <a:p>
@@ -32448,7 +32023,7 @@
               <a:buNone/>
             </a:pPr>
             <a:r>
-              <a:rPr lang="en-US" sz="1200" dirty="0" smtClean="0"/>
+              <a:rPr lang="en-US" sz="1200" dirty="0"/>
               <a:t>Add (date, integer ) : number of day is added to date to give new date</a:t>
             </a:r>
           </a:p>
@@ -32457,7 +32032,7 @@
               <a:buNone/>
             </a:pPr>
             <a:r>
-              <a:rPr lang="en-US" sz="1200" dirty="0" smtClean="0"/>
+              <a:rPr lang="en-US" sz="1200" dirty="0"/>
               <a:t>Add (date, date): two dates are to give new date</a:t>
             </a:r>
           </a:p>
@@ -32466,7 +32041,7 @@
               <a:buNone/>
             </a:pPr>
             <a:r>
-              <a:rPr lang="en-US" sz="1200" dirty="0" smtClean="0"/>
+              <a:rPr lang="en-US" sz="1200" dirty="0"/>
               <a:t>Sub(date, integer) number of days are subtracted from existing date to give new date</a:t>
             </a:r>
           </a:p>
@@ -32475,7 +32050,7 @@
               <a:buNone/>
             </a:pPr>
             <a:r>
-              <a:rPr lang="en-US" sz="1200" dirty="0" smtClean="0"/>
+              <a:rPr lang="en-US" sz="1200" dirty="0"/>
               <a:t>Sub(date, date) two date are subtracted to give number of day in difference(integer value as output)</a:t>
             </a:r>
           </a:p>
@@ -32484,12 +32059,8 @@
               <a:buNone/>
             </a:pPr>
             <a:r>
-              <a:rPr lang="en-US" sz="1200" dirty="0" smtClean="0"/>
-              <a:t>         Step 8   </a:t>
-            </a:r>
-            <a:r>
               <a:rPr lang="en-US" sz="1200" dirty="0"/>
-              <a:t>Now you should have </a:t>
+              <a:t>         Step 8   Now you should have </a:t>
             </a:r>
             <a:r>
               <a:rPr lang="en-US" sz="1200" dirty="0" err="1"/>
@@ -32505,11 +32076,7 @@
             </a:r>
             <a:r>
               <a:rPr lang="en-US" sz="1200" dirty="0"/>
-              <a:t> to evaluate Arithmetic expressions, scientific expression and trigonometric expression.</a:t>
-            </a:r>
-            <a:r>
-              <a:rPr lang="en-US" sz="1200" dirty="0" smtClean="0"/>
-              <a:t>       </a:t>
+              <a:t> to evaluate Arithmetic expressions, scientific expression and trigonometric expression.       </a:t>
             </a:r>
           </a:p>
           <a:p>
@@ -32517,12 +32084,8 @@
               <a:buNone/>
             </a:pPr>
             <a:r>
-              <a:rPr lang="en-US" sz="1200" dirty="0" smtClean="0"/>
-              <a:t>          Step 9: </a:t>
-            </a:r>
-            <a:r>
               <a:rPr lang="en-US" sz="1200" dirty="0"/>
-              <a:t>create main class to evaluate the expression given.</a:t>
+              <a:t>          Step 9: create main class to evaluate the expression given.</a:t>
             </a:r>
           </a:p>
           <a:p>
@@ -32535,7 +32098,7 @@
             <a:pPr>
               <a:buNone/>
             </a:pPr>
-            <a:endParaRPr lang="en-US" sz="1200" dirty="0" smtClean="0"/>
+            <a:endParaRPr lang="en-US" sz="1200" dirty="0"/>
           </a:p>
           <a:p>
             <a:pPr>
@@ -32560,20 +32123,13 @@
     </p:spTree>
     <p:extLst>
       <p:ext uri="{BB962C8B-B14F-4D97-AF65-F5344CB8AC3E}">
-        <p14:creationId xmlns:p14="http://schemas.microsoft.com/office/powerpoint/2010/main" xmlns="" val="1957055593"/>
+        <p14:creationId xmlns:p14="http://schemas.microsoft.com/office/powerpoint/2010/main" val="1957055593"/>
       </p:ext>
     </p:extLst>
   </p:cSld>
   <p:clrMapOvr>
     <a:masterClrMapping/>
   </p:clrMapOvr>
-  <p:timing>
-    <p:tnLst>
-      <p:par>
-        <p:cTn id="1" dur="indefinite" restart="never" nodeType="tmRoot"/>
-      </p:par>
-    </p:tnLst>
-  </p:timing>
 </p:sld>
 </file>
 
@@ -32627,7 +32183,7 @@
           <p:cNvPr id="9" name="Table 8">
             <a:extLst>
               <a:ext uri="{FF2B5EF4-FFF2-40B4-BE49-F238E27FC236}">
-                <a16:creationId xmlns:a16="http://schemas.microsoft.com/office/drawing/2014/main" xmlns="" id="{21479EF9-9906-4D00-9A0C-AE95AFFD2B24}"/>
+                <a16:creationId xmlns:a16="http://schemas.microsoft.com/office/drawing/2014/main" id="{21479EF9-9906-4D00-9A0C-AE95AFFD2B24}"/>
               </a:ext>
             </a:extLst>
           </p:cNvPr>
@@ -32650,7 +32206,7 @@
                 <a:gridCol w="4506867">
                   <a:extLst>
                     <a:ext uri="{9D8B030D-6E8A-4147-A177-3AD203B41FA5}">
-                      <a16:colId xmlns:a16="http://schemas.microsoft.com/office/drawing/2014/main" xmlns="" val="1695728431"/>
+                      <a16:colId xmlns:a16="http://schemas.microsoft.com/office/drawing/2014/main" val="1695728431"/>
                     </a:ext>
                   </a:extLst>
                 </a:gridCol>
@@ -32701,7 +32257,7 @@
                 </a:tc>
                 <a:extLst>
                   <a:ext uri="{0D108BD9-81ED-4DB2-BD59-A6C34878D82A}">
-                    <a16:rowId xmlns:a16="http://schemas.microsoft.com/office/drawing/2014/main" xmlns="" val="2307098774"/>
+                    <a16:rowId xmlns:a16="http://schemas.microsoft.com/office/drawing/2014/main" val="2307098774"/>
                   </a:ext>
                 </a:extLst>
               </a:tr>
@@ -32759,7 +32315,7 @@
                 </a:tc>
                 <a:extLst>
                   <a:ext uri="{0D108BD9-81ED-4DB2-BD59-A6C34878D82A}">
-                    <a16:rowId xmlns:a16="http://schemas.microsoft.com/office/drawing/2014/main" xmlns="" val="1466711860"/>
+                    <a16:rowId xmlns:a16="http://schemas.microsoft.com/office/drawing/2014/main" val="1466711860"/>
                   </a:ext>
                 </a:extLst>
               </a:tr>
@@ -32817,7 +32373,7 @@
                 </a:tc>
                 <a:extLst>
                   <a:ext uri="{0D108BD9-81ED-4DB2-BD59-A6C34878D82A}">
-                    <a16:rowId xmlns:a16="http://schemas.microsoft.com/office/drawing/2014/main" xmlns="" val="1924402624"/>
+                    <a16:rowId xmlns:a16="http://schemas.microsoft.com/office/drawing/2014/main" val="1924402624"/>
                   </a:ext>
                 </a:extLst>
               </a:tr>
@@ -32875,7 +32431,7 @@
                 </a:tc>
                 <a:extLst>
                   <a:ext uri="{0D108BD9-81ED-4DB2-BD59-A6C34878D82A}">
-                    <a16:rowId xmlns:a16="http://schemas.microsoft.com/office/drawing/2014/main" xmlns="" val="2634114360"/>
+                    <a16:rowId xmlns:a16="http://schemas.microsoft.com/office/drawing/2014/main" val="2634114360"/>
                   </a:ext>
                 </a:extLst>
               </a:tr>
@@ -32931,7 +32487,7 @@
                 </a:tc>
                 <a:extLst>
                   <a:ext uri="{0D108BD9-81ED-4DB2-BD59-A6C34878D82A}">
-                    <a16:rowId xmlns:a16="http://schemas.microsoft.com/office/drawing/2014/main" xmlns="" val="376303497"/>
+                    <a16:rowId xmlns:a16="http://schemas.microsoft.com/office/drawing/2014/main" val="376303497"/>
                   </a:ext>
                 </a:extLst>
               </a:tr>
@@ -32942,20 +32498,13 @@
     </p:spTree>
     <p:extLst>
       <p:ext uri="{BB962C8B-B14F-4D97-AF65-F5344CB8AC3E}">
-        <p14:creationId xmlns:p14="http://schemas.microsoft.com/office/powerpoint/2010/main" xmlns="" val="1503866511"/>
+        <p14:creationId xmlns:p14="http://schemas.microsoft.com/office/powerpoint/2010/main" val="1503866511"/>
       </p:ext>
     </p:extLst>
   </p:cSld>
   <p:clrMapOvr>
     <a:masterClrMapping/>
   </p:clrMapOvr>
-  <p:timing>
-    <p:tnLst>
-      <p:par>
-        <p:cTn id="1" dur="indefinite" restart="never" nodeType="tmRoot"/>
-      </p:par>
-    </p:tnLst>
-  </p:timing>
 </p:sld>
 </file>
 
@@ -33053,20 +32602,13 @@
     </p:spTree>
     <p:extLst>
       <p:ext uri="{BB962C8B-B14F-4D97-AF65-F5344CB8AC3E}">
-        <p14:creationId xmlns:p14="http://schemas.microsoft.com/office/powerpoint/2010/main" xmlns="" val="4194290303"/>
+        <p14:creationId xmlns:p14="http://schemas.microsoft.com/office/powerpoint/2010/main" val="4194290303"/>
       </p:ext>
     </p:extLst>
   </p:cSld>
   <p:clrMapOvr>
     <a:masterClrMapping/>
   </p:clrMapOvr>
-  <p:timing>
-    <p:tnLst>
-      <p:par>
-        <p:cTn id="1" dur="indefinite" restart="never" nodeType="tmRoot"/>
-      </p:par>
-    </p:tnLst>
-  </p:timing>
 </p:sld>
 </file>
 
@@ -33115,7 +32657,7 @@
           <p:cNvPr id="12" name="Table 11">
             <a:extLst>
               <a:ext uri="{FF2B5EF4-FFF2-40B4-BE49-F238E27FC236}">
-                <a16:creationId xmlns:a16="http://schemas.microsoft.com/office/drawing/2014/main" xmlns="" id="{17EB01AB-D058-442A-94DE-3BEA60F20837}"/>
+                <a16:creationId xmlns:a16="http://schemas.microsoft.com/office/drawing/2014/main" id="{17EB01AB-D058-442A-94DE-3BEA60F20837}"/>
               </a:ext>
             </a:extLst>
           </p:cNvPr>
@@ -33138,7 +32680,7 @@
                 <a:gridCol w="4506867">
                   <a:extLst>
                     <a:ext uri="{9D8B030D-6E8A-4147-A177-3AD203B41FA5}">
-                      <a16:colId xmlns:a16="http://schemas.microsoft.com/office/drawing/2014/main" xmlns="" val="1695728431"/>
+                      <a16:colId xmlns:a16="http://schemas.microsoft.com/office/drawing/2014/main" val="1695728431"/>
                     </a:ext>
                   </a:extLst>
                 </a:gridCol>
@@ -33187,7 +32729,7 @@
                 </a:tc>
                 <a:extLst>
                   <a:ext uri="{0D108BD9-81ED-4DB2-BD59-A6C34878D82A}">
-                    <a16:rowId xmlns:a16="http://schemas.microsoft.com/office/drawing/2014/main" xmlns="" val="2307098774"/>
+                    <a16:rowId xmlns:a16="http://schemas.microsoft.com/office/drawing/2014/main" val="2307098774"/>
                   </a:ext>
                 </a:extLst>
               </a:tr>
@@ -33245,7 +32787,7 @@
                 </a:tc>
                 <a:extLst>
                   <a:ext uri="{0D108BD9-81ED-4DB2-BD59-A6C34878D82A}">
-                    <a16:rowId xmlns:a16="http://schemas.microsoft.com/office/drawing/2014/main" xmlns="" val="1466711860"/>
+                    <a16:rowId xmlns:a16="http://schemas.microsoft.com/office/drawing/2014/main" val="1466711860"/>
                   </a:ext>
                 </a:extLst>
               </a:tr>
@@ -33303,7 +32845,7 @@
                 </a:tc>
                 <a:extLst>
                   <a:ext uri="{0D108BD9-81ED-4DB2-BD59-A6C34878D82A}">
-                    <a16:rowId xmlns:a16="http://schemas.microsoft.com/office/drawing/2014/main" xmlns="" val="1924402624"/>
+                    <a16:rowId xmlns:a16="http://schemas.microsoft.com/office/drawing/2014/main" val="1924402624"/>
                   </a:ext>
                 </a:extLst>
               </a:tr>
@@ -33361,7 +32903,7 @@
                 </a:tc>
                 <a:extLst>
                   <a:ext uri="{0D108BD9-81ED-4DB2-BD59-A6C34878D82A}">
-                    <a16:rowId xmlns:a16="http://schemas.microsoft.com/office/drawing/2014/main" xmlns="" val="2634114360"/>
+                    <a16:rowId xmlns:a16="http://schemas.microsoft.com/office/drawing/2014/main" val="2634114360"/>
                   </a:ext>
                 </a:extLst>
               </a:tr>
@@ -33419,7 +32961,7 @@
                 </a:tc>
                 <a:extLst>
                   <a:ext uri="{0D108BD9-81ED-4DB2-BD59-A6C34878D82A}">
-                    <a16:rowId xmlns:a16="http://schemas.microsoft.com/office/drawing/2014/main" xmlns="" val="376303497"/>
+                    <a16:rowId xmlns:a16="http://schemas.microsoft.com/office/drawing/2014/main" val="376303497"/>
                   </a:ext>
                 </a:extLst>
               </a:tr>
@@ -33430,20 +32972,13 @@
     </p:spTree>
     <p:extLst>
       <p:ext uri="{BB962C8B-B14F-4D97-AF65-F5344CB8AC3E}">
-        <p14:creationId xmlns:p14="http://schemas.microsoft.com/office/powerpoint/2010/main" xmlns="" val="581974245"/>
+        <p14:creationId xmlns:p14="http://schemas.microsoft.com/office/powerpoint/2010/main" val="581974245"/>
       </p:ext>
     </p:extLst>
   </p:cSld>
   <p:clrMapOvr>
     <a:masterClrMapping/>
   </p:clrMapOvr>
-  <p:timing>
-    <p:tnLst>
-      <p:par>
-        <p:cTn id="1" dur="indefinite" restart="never" nodeType="tmRoot"/>
-      </p:par>
-    </p:tnLst>
-  </p:timing>
 </p:sld>
 </file>
 
@@ -33581,20 +33116,13 @@
     </p:spTree>
     <p:extLst>
       <p:ext uri="{BB962C8B-B14F-4D97-AF65-F5344CB8AC3E}">
-        <p14:creationId xmlns:p14="http://schemas.microsoft.com/office/powerpoint/2010/main" xmlns="" val="2277162174"/>
+        <p14:creationId xmlns:p14="http://schemas.microsoft.com/office/powerpoint/2010/main" val="2277162174"/>
       </p:ext>
     </p:extLst>
   </p:cSld>
   <p:clrMapOvr>
     <a:masterClrMapping/>
   </p:clrMapOvr>
-  <p:timing>
-    <p:tnLst>
-      <p:par>
-        <p:cTn id="1" dur="indefinite" restart="never" nodeType="tmRoot"/>
-      </p:par>
-    </p:tnLst>
-  </p:timing>
 </p:sld>
 </file>
 
@@ -33728,20 +33256,13 @@
     </p:spTree>
     <p:extLst>
       <p:ext uri="{BB962C8B-B14F-4D97-AF65-F5344CB8AC3E}">
-        <p14:creationId xmlns:p14="http://schemas.microsoft.com/office/powerpoint/2010/main" xmlns="" val="2329961463"/>
+        <p14:creationId xmlns:p14="http://schemas.microsoft.com/office/powerpoint/2010/main" val="2329961463"/>
       </p:ext>
     </p:extLst>
   </p:cSld>
   <p:clrMapOvr>
     <a:masterClrMapping/>
   </p:clrMapOvr>
-  <p:timing>
-    <p:tnLst>
-      <p:par>
-        <p:cTn id="1" dur="indefinite" restart="never" nodeType="tmRoot"/>
-      </p:par>
-    </p:tnLst>
-  </p:timing>
 </p:sld>
 </file>
 
@@ -34155,20 +33676,13 @@
     </p:spTree>
     <p:extLst>
       <p:ext uri="{BB962C8B-B14F-4D97-AF65-F5344CB8AC3E}">
-        <p14:creationId xmlns:p14="http://schemas.microsoft.com/office/powerpoint/2010/main" xmlns="" val="1503991397"/>
+        <p14:creationId xmlns:p14="http://schemas.microsoft.com/office/powerpoint/2010/main" val="1503991397"/>
       </p:ext>
     </p:extLst>
   </p:cSld>
   <p:clrMapOvr>
     <a:masterClrMapping/>
   </p:clrMapOvr>
-  <p:timing>
-    <p:tnLst>
-      <p:par>
-        <p:cTn id="1" dur="indefinite" restart="never" nodeType="tmRoot"/>
-      </p:par>
-    </p:tnLst>
-  </p:timing>
 </p:sld>
 </file>
 
@@ -34384,20 +33898,13 @@
     </p:spTree>
     <p:extLst>
       <p:ext uri="{BB962C8B-B14F-4D97-AF65-F5344CB8AC3E}">
-        <p14:creationId xmlns:p14="http://schemas.microsoft.com/office/powerpoint/2010/main" xmlns="" val="2114638049"/>
+        <p14:creationId xmlns:p14="http://schemas.microsoft.com/office/powerpoint/2010/main" val="2114638049"/>
       </p:ext>
     </p:extLst>
   </p:cSld>
   <p:clrMapOvr>
     <a:masterClrMapping/>
   </p:clrMapOvr>
-  <p:timing>
-    <p:tnLst>
-      <p:par>
-        <p:cTn id="1" dur="indefinite" restart="never" nodeType="tmRoot"/>
-      </p:par>
-    </p:tnLst>
-  </p:timing>
 </p:sld>
 </file>
 
